--- a/Modelo.pptx
+++ b/Modelo.pptx
@@ -6,6 +6,11 @@
   </p:sldMasterIdLst>
   <p:sldIdLst>
     <p:sldId id="256" r:id="rId2"/>
+    <p:sldId id="257" r:id="rId3"/>
+    <p:sldId id="258" r:id="rId4"/>
+    <p:sldId id="259" r:id="rId5"/>
+    <p:sldId id="261" r:id="rId6"/>
+    <p:sldId id="260" r:id="rId7"/>
   </p:sldIdLst>
   <p:sldSz cx="12192000" cy="6858000"/>
   <p:notesSz cx="6858000" cy="9144000"/>
@@ -104,6 +109,11 @@
       </a:defRPr>
     </a:lvl9pPr>
   </p:defaultTextStyle>
+  <p:extLst>
+    <p:ext uri="{EFAFB233-063F-42B5-8137-9DF3F51BA10A}">
+      <p15:sldGuideLst xmlns:p15="http://schemas.microsoft.com/office/powerpoint/2012/main"/>
+    </p:ext>
+  </p:extLst>
 </p:presentation>
 </file>
 
@@ -238,7 +248,7 @@
           <a:p>
             <a:fld id="{EB4E562C-20BB-4A52-BAC4-5B9CC7D94653}" type="datetimeFigureOut">
               <a:rPr lang="pt-BR" smtClean="0"/>
-              <a:t>10/09/2021</a:t>
+              <a:t>11/09/2021</a:t>
             </a:fld>
             <a:endParaRPr lang="pt-BR"/>
           </a:p>
@@ -408,7 +418,7 @@
           <a:p>
             <a:fld id="{EB4E562C-20BB-4A52-BAC4-5B9CC7D94653}" type="datetimeFigureOut">
               <a:rPr lang="pt-BR" smtClean="0"/>
-              <a:t>10/09/2021</a:t>
+              <a:t>11/09/2021</a:t>
             </a:fld>
             <a:endParaRPr lang="pt-BR"/>
           </a:p>
@@ -588,7 +598,7 @@
           <a:p>
             <a:fld id="{EB4E562C-20BB-4A52-BAC4-5B9CC7D94653}" type="datetimeFigureOut">
               <a:rPr lang="pt-BR" smtClean="0"/>
-              <a:t>10/09/2021</a:t>
+              <a:t>11/09/2021</a:t>
             </a:fld>
             <a:endParaRPr lang="pt-BR"/>
           </a:p>
@@ -758,7 +768,7 @@
           <a:p>
             <a:fld id="{EB4E562C-20BB-4A52-BAC4-5B9CC7D94653}" type="datetimeFigureOut">
               <a:rPr lang="pt-BR" smtClean="0"/>
-              <a:t>10/09/2021</a:t>
+              <a:t>11/09/2021</a:t>
             </a:fld>
             <a:endParaRPr lang="pt-BR"/>
           </a:p>
@@ -1004,7 +1014,7 @@
           <a:p>
             <a:fld id="{EB4E562C-20BB-4A52-BAC4-5B9CC7D94653}" type="datetimeFigureOut">
               <a:rPr lang="pt-BR" smtClean="0"/>
-              <a:t>10/09/2021</a:t>
+              <a:t>11/09/2021</a:t>
             </a:fld>
             <a:endParaRPr lang="pt-BR"/>
           </a:p>
@@ -1236,7 +1246,7 @@
           <a:p>
             <a:fld id="{EB4E562C-20BB-4A52-BAC4-5B9CC7D94653}" type="datetimeFigureOut">
               <a:rPr lang="pt-BR" smtClean="0"/>
-              <a:t>10/09/2021</a:t>
+              <a:t>11/09/2021</a:t>
             </a:fld>
             <a:endParaRPr lang="pt-BR"/>
           </a:p>
@@ -1603,7 +1613,7 @@
           <a:p>
             <a:fld id="{EB4E562C-20BB-4A52-BAC4-5B9CC7D94653}" type="datetimeFigureOut">
               <a:rPr lang="pt-BR" smtClean="0"/>
-              <a:t>10/09/2021</a:t>
+              <a:t>11/09/2021</a:t>
             </a:fld>
             <a:endParaRPr lang="pt-BR"/>
           </a:p>
@@ -1721,7 +1731,7 @@
           <a:p>
             <a:fld id="{EB4E562C-20BB-4A52-BAC4-5B9CC7D94653}" type="datetimeFigureOut">
               <a:rPr lang="pt-BR" smtClean="0"/>
-              <a:t>10/09/2021</a:t>
+              <a:t>11/09/2021</a:t>
             </a:fld>
             <a:endParaRPr lang="pt-BR"/>
           </a:p>
@@ -1816,7 +1826,7 @@
           <a:p>
             <a:fld id="{EB4E562C-20BB-4A52-BAC4-5B9CC7D94653}" type="datetimeFigureOut">
               <a:rPr lang="pt-BR" smtClean="0"/>
-              <a:t>10/09/2021</a:t>
+              <a:t>11/09/2021</a:t>
             </a:fld>
             <a:endParaRPr lang="pt-BR"/>
           </a:p>
@@ -2093,7 +2103,7 @@
           <a:p>
             <a:fld id="{EB4E562C-20BB-4A52-BAC4-5B9CC7D94653}" type="datetimeFigureOut">
               <a:rPr lang="pt-BR" smtClean="0"/>
-              <a:t>10/09/2021</a:t>
+              <a:t>11/09/2021</a:t>
             </a:fld>
             <a:endParaRPr lang="pt-BR"/>
           </a:p>
@@ -2346,7 +2356,7 @@
           <a:p>
             <a:fld id="{EB4E562C-20BB-4A52-BAC4-5B9CC7D94653}" type="datetimeFigureOut">
               <a:rPr lang="pt-BR" smtClean="0"/>
-              <a:t>10/09/2021</a:t>
+              <a:t>11/09/2021</a:t>
             </a:fld>
             <a:endParaRPr lang="pt-BR"/>
           </a:p>
@@ -2559,7 +2569,7 @@
           <a:p>
             <a:fld id="{EB4E562C-20BB-4A52-BAC4-5B9CC7D94653}" type="datetimeFigureOut">
               <a:rPr lang="pt-BR" smtClean="0"/>
-              <a:t>10/09/2021</a:t>
+              <a:t>11/09/2021</a:t>
             </a:fld>
             <a:endParaRPr lang="pt-BR"/>
           </a:p>
@@ -2972,8 +2982,8 @@
         </p:nvSpPr>
         <p:spPr>
           <a:xfrm>
-            <a:off x="3613150" y="0"/>
-            <a:ext cx="4965700" cy="6858000"/>
+            <a:off x="3808446" y="0"/>
+            <a:ext cx="4575107" cy="6858000"/>
           </a:xfrm>
           <a:prstGeom prst="rect">
             <a:avLst/>
@@ -3033,8 +3043,8 @@
         </p:blipFill>
         <p:spPr bwMode="auto">
           <a:xfrm>
-            <a:off x="6933073" y="1777650"/>
-            <a:ext cx="646770" cy="278781"/>
+            <a:off x="6386581" y="1351494"/>
+            <a:ext cx="567681" cy="244691"/>
           </a:xfrm>
           <a:prstGeom prst="rect">
             <a:avLst/>
@@ -3072,8 +3082,8 @@
         </p:blipFill>
         <p:spPr bwMode="auto">
           <a:xfrm>
-            <a:off x="6988622" y="764794"/>
-            <a:ext cx="579863" cy="579863"/>
+            <a:off x="6478633" y="534784"/>
+            <a:ext cx="543272" cy="543272"/>
           </a:xfrm>
           <a:prstGeom prst="rect">
             <a:avLst/>
@@ -3111,8 +3121,8 @@
         </p:blipFill>
         <p:spPr bwMode="auto">
           <a:xfrm rot="21068157">
-            <a:off x="8126681" y="864285"/>
-            <a:ext cx="301083" cy="423746"/>
+            <a:off x="7778082" y="781099"/>
+            <a:ext cx="245909" cy="346094"/>
           </a:xfrm>
           <a:prstGeom prst="rect">
             <a:avLst/>
@@ -3150,7 +3160,7 @@
         </p:blipFill>
         <p:spPr bwMode="auto">
           <a:xfrm>
-            <a:off x="7034870" y="2165772"/>
+            <a:off x="6706840" y="1655719"/>
             <a:ext cx="422398" cy="402284"/>
           </a:xfrm>
           <a:prstGeom prst="rect">
@@ -3189,7 +3199,7 @@
         </p:blipFill>
         <p:spPr bwMode="auto">
           <a:xfrm rot="16200000">
-            <a:off x="8232940" y="650923"/>
+            <a:off x="7830283" y="540380"/>
             <a:ext cx="358921" cy="270356"/>
           </a:xfrm>
           <a:prstGeom prst="rect">
@@ -3209,60 +3219,14 @@
       </p:pic>
       <p:sp>
         <p:nvSpPr>
-          <p:cNvPr id="20" name="Retângulo 19"/>
-          <p:cNvSpPr/>
+          <p:cNvPr id="7" name="CaixaDeTexto 6"/>
+          <p:cNvSpPr txBox="1"/>
           <p:nvPr/>
         </p:nvSpPr>
         <p:spPr>
           <a:xfrm>
-            <a:off x="4283614" y="606641"/>
-            <a:ext cx="2934821" cy="2174962"/>
-          </a:xfrm>
-          <a:prstGeom prst="rect">
-            <a:avLst/>
-          </a:prstGeom>
-          <a:solidFill>
-            <a:schemeClr val="tx1"/>
-          </a:solidFill>
-          <a:ln>
-            <a:noFill/>
-          </a:ln>
-        </p:spPr>
-        <p:style>
-          <a:lnRef idx="2">
-            <a:schemeClr val="accent1">
-              <a:shade val="50000"/>
-            </a:schemeClr>
-          </a:lnRef>
-          <a:fillRef idx="1">
-            <a:schemeClr val="accent1"/>
-          </a:fillRef>
-          <a:effectRef idx="0">
-            <a:schemeClr val="accent1"/>
-          </a:effectRef>
-          <a:fontRef idx="minor">
-            <a:schemeClr val="lt1"/>
-          </a:fontRef>
-        </p:style>
-        <p:txBody>
-          <a:bodyPr rtlCol="0" anchor="ctr"/>
-          <a:lstStyle/>
-          <a:p>
-            <a:pPr algn="ctr"/>
-            <a:endParaRPr lang="pt-BR"/>
-          </a:p>
-        </p:txBody>
-      </p:sp>
-      <p:sp>
-        <p:nvSpPr>
-          <p:cNvPr id="6" name="CaixaDeTexto 5"/>
-          <p:cNvSpPr txBox="1"/>
-          <p:nvPr/>
-        </p:nvSpPr>
-        <p:spPr>
-          <a:xfrm>
-            <a:off x="4156220" y="3008109"/>
-            <a:ext cx="2984500" cy="369332"/>
+            <a:off x="4236238" y="2580552"/>
+            <a:ext cx="3719522" cy="3939540"/>
           </a:xfrm>
           <a:prstGeom prst="rect">
             <a:avLst/>
@@ -3282,41 +3246,27 @@
               </a:rPr>
               <a:t>Fernando e Nury Biasoli</a:t>
             </a:r>
-            <a:endParaRPr lang="pt-BR" b="1" dirty="0">
+          </a:p>
+          <a:p>
+            <a:endParaRPr lang="pt-BR" sz="1300" dirty="0">
               <a:latin typeface="Yu Gothic" panose="020B0400000000000000" pitchFamily="34" charset="-128"/>
               <a:ea typeface="Yu Gothic" panose="020B0400000000000000" pitchFamily="34" charset="-128"/>
             </a:endParaRPr>
           </a:p>
-        </p:txBody>
-      </p:sp>
-      <p:sp>
-        <p:nvSpPr>
-          <p:cNvPr id="7" name="CaixaDeTexto 6"/>
-          <p:cNvSpPr txBox="1"/>
-          <p:nvPr/>
-        </p:nvSpPr>
-        <p:spPr>
-          <a:xfrm>
-            <a:off x="4135262" y="3512734"/>
-            <a:ext cx="4060844" cy="3093154"/>
-          </a:xfrm>
-          <a:prstGeom prst="rect">
-            <a:avLst/>
-          </a:prstGeom>
-          <a:noFill/>
-        </p:spPr>
-        <p:txBody>
-          <a:bodyPr wrap="square" rtlCol="0">
-            <a:spAutoFit/>
-          </a:bodyPr>
-          <a:lstStyle/>
-          <a:p>
+          <a:p>
+            <a:r>
+              <a:rPr lang="pt-BR" sz="1300" dirty="0" smtClean="0">
+                <a:latin typeface="Yu Gothic" panose="020B0400000000000000" pitchFamily="34" charset="-128"/>
+                <a:ea typeface="Yu Gothic" panose="020B0400000000000000" pitchFamily="34" charset="-128"/>
+              </a:rPr>
+              <a:t>Nos</a:t>
+            </a:r>
             <a:r>
               <a:rPr lang="pt-BR" sz="1300" dirty="0">
                 <a:latin typeface="Yu Gothic" panose="020B0400000000000000" pitchFamily="34" charset="-128"/>
                 <a:ea typeface="Yu Gothic" panose="020B0400000000000000" pitchFamily="34" charset="-128"/>
               </a:rPr>
-              <a:t>Nos conhecemos num treinamento </a:t>
+              <a:t> conhecemos num treinamento </a:t>
             </a:r>
             <a:r>
               <a:rPr lang="pt-BR" sz="1300" dirty="0" smtClean="0">
@@ -3344,14 +3294,28 @@
                 <a:latin typeface="Yu Gothic" panose="020B0400000000000000" pitchFamily="34" charset="-128"/>
                 <a:ea typeface="Yu Gothic" panose="020B0400000000000000" pitchFamily="34" charset="-128"/>
               </a:rPr>
-              <a:t>. Tínhamos muitas coisas em comum e uma delas era o grande desejo de promover a justiça e a equidade </a:t>
+              <a:t>. Tínhamos muitas coisas em comum e uma delas era o </a:t>
             </a:r>
             <a:r>
               <a:rPr lang="pt-BR" sz="1300" dirty="0" smtClean="0">
                 <a:latin typeface="Yu Gothic" panose="020B0400000000000000" pitchFamily="34" charset="-128"/>
                 <a:ea typeface="Yu Gothic" panose="020B0400000000000000" pitchFamily="34" charset="-128"/>
               </a:rPr>
-              <a:t>para aqueles</a:t>
+              <a:t>grande desejo de promover a justiça</a:t>
+            </a:r>
+            <a:r>
+              <a:rPr lang="pt-BR" sz="1300" dirty="0">
+                <a:latin typeface="Yu Gothic" panose="020B0400000000000000" pitchFamily="34" charset="-128"/>
+                <a:ea typeface="Yu Gothic" panose="020B0400000000000000" pitchFamily="34" charset="-128"/>
+              </a:rPr>
+              <a:t> e a </a:t>
+            </a:r>
+            <a:r>
+              <a:rPr lang="pt-BR" sz="1300" dirty="0" smtClean="0">
+                <a:latin typeface="Yu Gothic" panose="020B0400000000000000" pitchFamily="34" charset="-128"/>
+                <a:ea typeface="Yu Gothic" panose="020B0400000000000000" pitchFamily="34" charset="-128"/>
+              </a:rPr>
+              <a:t>equidade para aqueles</a:t>
             </a:r>
             <a:r>
               <a:rPr lang="pt-BR" sz="1300" dirty="0">
@@ -3384,66 +3348,96 @@
                 <a:latin typeface="Yu Gothic" panose="020B0400000000000000" pitchFamily="34" charset="-128"/>
                 <a:ea typeface="Yu Gothic" panose="020B0400000000000000" pitchFamily="34" charset="-128"/>
               </a:rPr>
-              <a:t> casamos em abril de 2005 e fixamos residência na cidade de Belo Horizonte onde eu, Nury, já trabalhava com Jocum. Em janeiro de 2007, tivemos nosso primeiro e único filho, Francisco Esteban</a:t>
+              <a:t> casamos em abril de 2005 e fixamos residência na cidade de Belo Horizonte onde eu, Nury, já trabalhava com Jocum. Em janeiro de 2007, tivemos nosso primeiro e único filho, Francisco </a:t>
             </a:r>
             <a:r>
               <a:rPr lang="pt-BR" sz="1300" dirty="0" smtClean="0">
                 <a:latin typeface="Yu Gothic" panose="020B0400000000000000" pitchFamily="34" charset="-128"/>
                 <a:ea typeface="Yu Gothic" panose="020B0400000000000000" pitchFamily="34" charset="-128"/>
               </a:rPr>
-              <a:t>.</a:t>
-            </a:r>
-          </a:p>
-          <a:p>
+              <a:t>Esteban.Fernando</a:t>
+            </a:r>
+            <a:r>
+              <a:rPr lang="pt-BR" sz="1300" dirty="0">
+                <a:latin typeface="Yu Gothic" panose="020B0400000000000000" pitchFamily="34" charset="-128"/>
+                <a:ea typeface="Yu Gothic" panose="020B0400000000000000" pitchFamily="34" charset="-128"/>
+              </a:rPr>
+              <a:t> trabalhou com crianças nas ruas e com </a:t>
+            </a:r>
             <a:r>
               <a:rPr lang="pt-BR" sz="1300" dirty="0" smtClean="0">
                 <a:latin typeface="Yu Gothic" panose="020B0400000000000000" pitchFamily="34" charset="-128"/>
                 <a:ea typeface="Yu Gothic" panose="020B0400000000000000" pitchFamily="34" charset="-128"/>
               </a:rPr>
-              <a:t>Fernando</a:t>
+              <a:t>visitas </a:t>
+            </a:r>
+            <a:r>
+              <a:rPr lang="pt-BR" sz="1300" dirty="0" smtClean="0">
+                <a:latin typeface="Yu Gothic" panose="020B0400000000000000" pitchFamily="34" charset="-128"/>
+                <a:ea typeface="Yu Gothic" panose="020B0400000000000000" pitchFamily="34" charset="-128"/>
+              </a:rPr>
+              <a:t>comunidades às </a:t>
             </a:r>
             <a:r>
               <a:rPr lang="pt-BR" sz="1300" dirty="0">
                 <a:latin typeface="Yu Gothic" panose="020B0400000000000000" pitchFamily="34" charset="-128"/>
                 <a:ea typeface="Yu Gothic" panose="020B0400000000000000" pitchFamily="34" charset="-128"/>
               </a:rPr>
-              <a:t> trabalhou com crianças nas ruas e com </a:t>
+              <a:t> por cinco anos na cidade de Belo </a:t>
             </a:r>
             <a:r>
               <a:rPr lang="pt-BR" sz="1300" dirty="0" smtClean="0">
                 <a:latin typeface="Yu Gothic" panose="020B0400000000000000" pitchFamily="34" charset="-128"/>
                 <a:ea typeface="Yu Gothic" panose="020B0400000000000000" pitchFamily="34" charset="-128"/>
               </a:rPr>
-              <a:t>visitas às comunidades</a:t>
+              <a:t>Horizonte, e</a:t>
             </a:r>
             <a:r>
               <a:rPr lang="pt-BR" sz="1300" dirty="0">
                 <a:latin typeface="Yu Gothic" panose="020B0400000000000000" pitchFamily="34" charset="-128"/>
                 <a:ea typeface="Yu Gothic" panose="020B0400000000000000" pitchFamily="34" charset="-128"/>
               </a:rPr>
-              <a:t> por cinco anos na cidade de Belo </a:t>
+              <a:t> eu com treinamento e </a:t>
             </a:r>
             <a:r>
               <a:rPr lang="pt-BR" sz="1300" dirty="0" smtClean="0">
                 <a:latin typeface="Yu Gothic" panose="020B0400000000000000" pitchFamily="34" charset="-128"/>
                 <a:ea typeface="Yu Gothic" panose="020B0400000000000000" pitchFamily="34" charset="-128"/>
               </a:rPr>
-              <a:t>Horizonte, e</a:t>
+              <a:t>administração</a:t>
+            </a:r>
+            <a:r>
+              <a:rPr lang="pt-BR" sz="1300" dirty="0" smtClean="0">
+                <a:latin typeface="Yu Gothic" panose="020B0400000000000000" pitchFamily="34" charset="-128"/>
+                <a:ea typeface="Yu Gothic" panose="020B0400000000000000" pitchFamily="34" charset="-128"/>
+              </a:rPr>
+              <a:t>. Em</a:t>
             </a:r>
             <a:r>
               <a:rPr lang="pt-BR" sz="1300" dirty="0">
                 <a:latin typeface="Yu Gothic" panose="020B0400000000000000" pitchFamily="34" charset="-128"/>
                 <a:ea typeface="Yu Gothic" panose="020B0400000000000000" pitchFamily="34" charset="-128"/>
               </a:rPr>
-              <a:t> eu com treinamento e </a:t>
+              <a:t> 2010, entendemos que deveríamos </a:t>
             </a:r>
             <a:r>
               <a:rPr lang="pt-BR" sz="1300" dirty="0" smtClean="0">
                 <a:latin typeface="Yu Gothic" panose="020B0400000000000000" pitchFamily="34" charset="-128"/>
                 <a:ea typeface="Yu Gothic" panose="020B0400000000000000" pitchFamily="34" charset="-128"/>
               </a:rPr>
-              <a:t>administração.</a:t>
-            </a:r>
+              <a:t>buscarnovos</a:t>
+            </a:r>
+            <a:r>
+              <a:rPr lang="pt-BR" sz="1300" dirty="0">
+                <a:latin typeface="Yu Gothic" panose="020B0400000000000000" pitchFamily="34" charset="-128"/>
+                <a:ea typeface="Yu Gothic" panose="020B0400000000000000" pitchFamily="34" charset="-128"/>
+              </a:rPr>
+              <a:t> desafios e surgiu o Nordeste do Brasil. </a:t>
+            </a:r>
+            <a:endParaRPr lang="pt-BR" sz="1300" dirty="0" smtClean="0">
+              <a:latin typeface="Yu Gothic" panose="020B0400000000000000" pitchFamily="34" charset="-128"/>
+              <a:ea typeface="Yu Gothic" panose="020B0400000000000000" pitchFamily="34" charset="-128"/>
+            </a:endParaRPr>
           </a:p>
         </p:txBody>
       </p:sp>
@@ -3455,7 +3449,7 @@
         </p:nvCxnSpPr>
         <p:spPr>
           <a:xfrm>
-            <a:off x="3987563" y="3379829"/>
+            <a:off x="4076242" y="2868452"/>
             <a:ext cx="0" cy="1681870"/>
           </a:xfrm>
           <a:prstGeom prst="line">
@@ -3478,133 +3472,6 @@
           </a:fontRef>
         </p:style>
       </p:cxnSp>
-      <p:sp>
-        <p:nvSpPr>
-          <p:cNvPr id="21" name="Triângulo isósceles 20"/>
-          <p:cNvSpPr/>
-          <p:nvPr/>
-        </p:nvSpPr>
-        <p:spPr>
-          <a:xfrm rot="2034513">
-            <a:off x="4037864" y="2431228"/>
-            <a:ext cx="357029" cy="273657"/>
-          </a:xfrm>
-          <a:prstGeom prst="triangle">
-            <a:avLst/>
-          </a:prstGeom>
-          <a:solidFill>
-            <a:schemeClr val="tx1"/>
-          </a:solidFill>
-          <a:ln>
-            <a:noFill/>
-          </a:ln>
-        </p:spPr>
-        <p:style>
-          <a:lnRef idx="2">
-            <a:schemeClr val="accent1">
-              <a:shade val="50000"/>
-            </a:schemeClr>
-          </a:lnRef>
-          <a:fillRef idx="1">
-            <a:schemeClr val="accent1"/>
-          </a:fillRef>
-          <a:effectRef idx="0">
-            <a:schemeClr val="accent1"/>
-          </a:effectRef>
-          <a:fontRef idx="minor">
-            <a:schemeClr val="lt1"/>
-          </a:fontRef>
-        </p:style>
-        <p:txBody>
-          <a:bodyPr rtlCol="0" anchor="ctr"/>
-          <a:lstStyle/>
-          <a:p>
-            <a:pPr algn="ctr"/>
-            <a:endParaRPr lang="pt-BR"/>
-          </a:p>
-        </p:txBody>
-      </p:sp>
-      <p:sp>
-        <p:nvSpPr>
-          <p:cNvPr id="22" name="Triângulo isósceles 21"/>
-          <p:cNvSpPr/>
-          <p:nvPr/>
-        </p:nvSpPr>
-        <p:spPr>
-          <a:xfrm rot="13647779">
-            <a:off x="6818412" y="431748"/>
-            <a:ext cx="357029" cy="273657"/>
-          </a:xfrm>
-          <a:prstGeom prst="triangle">
-            <a:avLst/>
-          </a:prstGeom>
-          <a:solidFill>
-            <a:schemeClr val="tx1"/>
-          </a:solidFill>
-          <a:ln>
-            <a:noFill/>
-          </a:ln>
-        </p:spPr>
-        <p:style>
-          <a:lnRef idx="2">
-            <a:schemeClr val="accent1">
-              <a:shade val="50000"/>
-            </a:schemeClr>
-          </a:lnRef>
-          <a:fillRef idx="1">
-            <a:schemeClr val="accent1"/>
-          </a:fillRef>
-          <a:effectRef idx="0">
-            <a:schemeClr val="accent1"/>
-          </a:effectRef>
-          <a:fontRef idx="minor">
-            <a:schemeClr val="lt1"/>
-          </a:fontRef>
-        </p:style>
-        <p:txBody>
-          <a:bodyPr rtlCol="0" anchor="ctr"/>
-          <a:lstStyle/>
-          <a:p>
-            <a:pPr algn="ctr"/>
-            <a:endParaRPr lang="pt-BR"/>
-          </a:p>
-        </p:txBody>
-      </p:sp>
-      <p:pic>
-        <p:nvPicPr>
-          <p:cNvPr id="10" name="Imagem 9"/>
-          <p:cNvPicPr>
-            <a:picLocks noChangeAspect="1"/>
-          </p:cNvPicPr>
-          <p:nvPr/>
-        </p:nvPicPr>
-        <p:blipFill>
-          <a:blip r:embed="rId3" cstate="print">
-            <a:extLst>
-              <a:ext uri="{28A0092B-C50C-407E-A947-70E740481C1C}">
-                <a14:useLocalDpi xmlns:a14="http://schemas.microsoft.com/office/drawing/2010/main" val="0"/>
-              </a:ext>
-            </a:extLst>
-          </a:blip>
-          <a:stretch>
-            <a:fillRect/>
-          </a:stretch>
-        </p:blipFill>
-        <p:spPr>
-          <a:xfrm>
-            <a:off x="4014917" y="363485"/>
-            <a:ext cx="2939429" cy="2204571"/>
-          </a:xfrm>
-          <a:prstGeom prst="rect">
-            <a:avLst/>
-          </a:prstGeom>
-          <a:ln w="19050">
-            <a:solidFill>
-              <a:schemeClr val="tx1"/>
-            </a:solidFill>
-          </a:ln>
-        </p:spPr>
-      </p:pic>
       <p:pic>
         <p:nvPicPr>
           <p:cNvPr id="1030" name="Picture 6" descr="Fundo geométrico com forma abstrata desenhada à mão diferente. formas  geométricas de meio-tom de tendência universal. ilustração moderna. | Vetor  Premium"/>
@@ -3626,8 +3493,8 @@
         </p:blipFill>
         <p:spPr bwMode="auto">
           <a:xfrm>
-            <a:off x="7624810" y="2342423"/>
-            <a:ext cx="747131" cy="312234"/>
+            <a:off x="7236672" y="1703103"/>
+            <a:ext cx="652984" cy="272889"/>
           </a:xfrm>
           <a:prstGeom prst="rect">
             <a:avLst/>
@@ -3653,7 +3520,7 @@
           <p:nvPr/>
         </p:nvPicPr>
         <p:blipFill rotWithShape="1">
-          <a:blip r:embed="rId4">
+          <a:blip r:embed="rId3">
             <a:extLst>
               <a:ext uri="{28A0092B-C50C-407E-A947-70E740481C1C}">
                 <a14:useLocalDpi xmlns:a14="http://schemas.microsoft.com/office/drawing/2010/main" val="0"/>
@@ -3665,8 +3532,8 @@
         </p:blipFill>
         <p:spPr bwMode="auto">
           <a:xfrm>
-            <a:off x="7540591" y="1060572"/>
-            <a:ext cx="719014" cy="820283"/>
+            <a:off x="7021905" y="764219"/>
+            <a:ext cx="686668" cy="783381"/>
           </a:xfrm>
           <a:prstGeom prst="rect">
             <a:avLst/>
@@ -3704,8 +3571,8 @@
         </p:blipFill>
         <p:spPr bwMode="auto">
           <a:xfrm>
-            <a:off x="8048621" y="1887774"/>
-            <a:ext cx="457201" cy="367990"/>
+            <a:off x="7757238" y="1329155"/>
+            <a:ext cx="360407" cy="290083"/>
           </a:xfrm>
           <a:prstGeom prst="rect">
             <a:avLst/>
@@ -3722,6 +3589,36 @@
           </a:extLst>
         </p:spPr>
       </p:pic>
+      <p:pic>
+        <p:nvPicPr>
+          <p:cNvPr id="3" name="Imagem 2"/>
+          <p:cNvPicPr>
+            <a:picLocks noChangeAspect="1"/>
+          </p:cNvPicPr>
+          <p:nvPr/>
+        </p:nvPicPr>
+        <p:blipFill>
+          <a:blip r:embed="rId4">
+            <a:extLst>
+              <a:ext uri="{28A0092B-C50C-407E-A947-70E740481C1C}">
+                <a14:useLocalDpi xmlns:a14="http://schemas.microsoft.com/office/drawing/2010/main" val="0"/>
+              </a:ext>
+            </a:extLst>
+          </a:blip>
+          <a:stretch>
+            <a:fillRect/>
+          </a:stretch>
+        </p:blipFill>
+        <p:spPr>
+          <a:xfrm>
+            <a:off x="4103009" y="308983"/>
+            <a:ext cx="2594180" cy="1979296"/>
+          </a:xfrm>
+          <a:prstGeom prst="rect">
+            <a:avLst/>
+          </a:prstGeom>
+        </p:spPr>
+      </p:pic>
     </p:spTree>
     <p:extLst>
       <p:ext uri="{BB962C8B-B14F-4D97-AF65-F5344CB8AC3E}">
@@ -3732,6 +3629,1642 @@
   <p:clrMapOvr>
     <a:masterClrMapping/>
   </p:clrMapOvr>
+  <mc:AlternateContent xmlns:mc="http://schemas.openxmlformats.org/markup-compatibility/2006">
+    <mc:Choice xmlns:p14="http://schemas.microsoft.com/office/powerpoint/2010/main" Requires="p14">
+      <p:transition p14:dur="0"/>
+    </mc:Choice>
+    <mc:Fallback>
+      <p:transition/>
+    </mc:Fallback>
+  </mc:AlternateContent>
+  <p:timing>
+    <p:tnLst>
+      <p:par>
+        <p:cTn id="1" dur="indefinite" restart="never" nodeType="tmRoot"/>
+      </p:par>
+    </p:tnLst>
+  </p:timing>
+</p:sld>
+</file>
+
+<file path=ppt/slides/slide2.xml><?xml version="1.0" encoding="utf-8"?>
+<p:sld xmlns:a="http://schemas.openxmlformats.org/drawingml/2006/main" xmlns:r="http://schemas.openxmlformats.org/officeDocument/2006/relationships" xmlns:p="http://schemas.openxmlformats.org/presentationml/2006/main">
+  <p:cSld>
+    <p:spTree>
+      <p:nvGrpSpPr>
+        <p:cNvPr id="1" name=""/>
+        <p:cNvGrpSpPr/>
+        <p:nvPr/>
+      </p:nvGrpSpPr>
+      <p:grpSpPr>
+        <a:xfrm>
+          <a:off x="0" y="0"/>
+          <a:ext cx="0" cy="0"/>
+          <a:chOff x="0" y="0"/>
+          <a:chExt cx="0" cy="0"/>
+        </a:xfrm>
+      </p:grpSpPr>
+      <p:sp>
+        <p:nvSpPr>
+          <p:cNvPr id="13" name="Retângulo 12"/>
+          <p:cNvSpPr/>
+          <p:nvPr/>
+        </p:nvSpPr>
+        <p:spPr>
+          <a:xfrm>
+            <a:off x="3808446" y="0"/>
+            <a:ext cx="4575107" cy="6858000"/>
+          </a:xfrm>
+          <a:prstGeom prst="rect">
+            <a:avLst/>
+          </a:prstGeom>
+          <a:solidFill>
+            <a:schemeClr val="bg1"/>
+          </a:solidFill>
+          <a:ln w="19050">
+            <a:solidFill>
+              <a:schemeClr val="tx1"/>
+            </a:solidFill>
+          </a:ln>
+        </p:spPr>
+        <p:style>
+          <a:lnRef idx="2">
+            <a:schemeClr val="accent1">
+              <a:shade val="50000"/>
+            </a:schemeClr>
+          </a:lnRef>
+          <a:fillRef idx="1">
+            <a:schemeClr val="accent1"/>
+          </a:fillRef>
+          <a:effectRef idx="0">
+            <a:schemeClr val="accent1"/>
+          </a:effectRef>
+          <a:fontRef idx="minor">
+            <a:schemeClr val="lt1"/>
+          </a:fontRef>
+        </p:style>
+        <p:txBody>
+          <a:bodyPr rtlCol="0" anchor="ctr"/>
+          <a:lstStyle/>
+          <a:p>
+            <a:pPr algn="ctr"/>
+            <a:endParaRPr lang="pt-BR"/>
+          </a:p>
+        </p:txBody>
+      </p:sp>
+      <p:sp>
+        <p:nvSpPr>
+          <p:cNvPr id="3" name="CaixaDeTexto 2"/>
+          <p:cNvSpPr txBox="1"/>
+          <p:nvPr/>
+        </p:nvSpPr>
+        <p:spPr>
+          <a:xfrm>
+            <a:off x="4115715" y="281984"/>
+            <a:ext cx="3960569" cy="6694140"/>
+          </a:xfrm>
+          <a:prstGeom prst="rect">
+            <a:avLst/>
+          </a:prstGeom>
+          <a:noFill/>
+        </p:spPr>
+        <p:txBody>
+          <a:bodyPr wrap="square" rtlCol="0">
+            <a:spAutoFit/>
+          </a:bodyPr>
+          <a:lstStyle/>
+          <a:p>
+            <a:r>
+              <a:rPr lang="pt-BR" sz="1300" dirty="0" smtClean="0">
+                <a:latin typeface="Yu Gothic" panose="020B0400000000000000" pitchFamily="34" charset="-128"/>
+                <a:ea typeface="Yu Gothic" panose="020B0400000000000000" pitchFamily="34" charset="-128"/>
+              </a:rPr>
+              <a:t>Nos</a:t>
+            </a:r>
+            <a:r>
+              <a:rPr lang="pt-BR" sz="1300" dirty="0">
+                <a:latin typeface="Yu Gothic" panose="020B0400000000000000" pitchFamily="34" charset="-128"/>
+                <a:ea typeface="Yu Gothic" panose="020B0400000000000000" pitchFamily="34" charset="-128"/>
+              </a:rPr>
+              <a:t> juntamos a equipe que trabalhava nas ruas de Recife, em que por seis anos tivemos um contato significativo com o que ouvimos e nos sentimos desafiados a iniciar um trabalho onde pudéssemos conhecer a necessidade real e daí poder ajudar estas crianças, adolescentes e suas famílias nas ruas e comunidades. </a:t>
+            </a:r>
+            <a:endParaRPr lang="pt-BR" sz="1300" dirty="0" smtClean="0">
+              <a:latin typeface="Yu Gothic" panose="020B0400000000000000" pitchFamily="34" charset="-128"/>
+              <a:ea typeface="Yu Gothic" panose="020B0400000000000000" pitchFamily="34" charset="-128"/>
+            </a:endParaRPr>
+          </a:p>
+          <a:p>
+            <a:endParaRPr lang="pt-BR" sz="1300" dirty="0">
+              <a:latin typeface="Yu Gothic" panose="020B0400000000000000" pitchFamily="34" charset="-128"/>
+              <a:ea typeface="Yu Gothic" panose="020B0400000000000000" pitchFamily="34" charset="-128"/>
+            </a:endParaRPr>
+          </a:p>
+          <a:p>
+            <a:endParaRPr lang="pt-BR" sz="1300" dirty="0" smtClean="0">
+              <a:latin typeface="Yu Gothic" panose="020B0400000000000000" pitchFamily="34" charset="-128"/>
+              <a:ea typeface="Yu Gothic" panose="020B0400000000000000" pitchFamily="34" charset="-128"/>
+            </a:endParaRPr>
+          </a:p>
+          <a:p>
+            <a:endParaRPr lang="pt-BR" sz="1300" dirty="0">
+              <a:latin typeface="Yu Gothic" panose="020B0400000000000000" pitchFamily="34" charset="-128"/>
+              <a:ea typeface="Yu Gothic" panose="020B0400000000000000" pitchFamily="34" charset="-128"/>
+            </a:endParaRPr>
+          </a:p>
+          <a:p>
+            <a:endParaRPr lang="pt-BR" sz="1300" dirty="0" smtClean="0">
+              <a:latin typeface="Yu Gothic" panose="020B0400000000000000" pitchFamily="34" charset="-128"/>
+              <a:ea typeface="Yu Gothic" panose="020B0400000000000000" pitchFamily="34" charset="-128"/>
+            </a:endParaRPr>
+          </a:p>
+          <a:p>
+            <a:endParaRPr lang="pt-BR" sz="1300" dirty="0">
+              <a:latin typeface="Yu Gothic" panose="020B0400000000000000" pitchFamily="34" charset="-128"/>
+              <a:ea typeface="Yu Gothic" panose="020B0400000000000000" pitchFamily="34" charset="-128"/>
+            </a:endParaRPr>
+          </a:p>
+          <a:p>
+            <a:endParaRPr lang="pt-BR" sz="1300" dirty="0" smtClean="0">
+              <a:latin typeface="Yu Gothic" panose="020B0400000000000000" pitchFamily="34" charset="-128"/>
+              <a:ea typeface="Yu Gothic" panose="020B0400000000000000" pitchFamily="34" charset="-128"/>
+            </a:endParaRPr>
+          </a:p>
+          <a:p>
+            <a:endParaRPr lang="pt-BR" sz="1300" dirty="0">
+              <a:latin typeface="Yu Gothic" panose="020B0400000000000000" pitchFamily="34" charset="-128"/>
+              <a:ea typeface="Yu Gothic" panose="020B0400000000000000" pitchFamily="34" charset="-128"/>
+            </a:endParaRPr>
+          </a:p>
+          <a:p>
+            <a:endParaRPr lang="pt-BR" sz="1300" dirty="0" smtClean="0">
+              <a:latin typeface="Yu Gothic" panose="020B0400000000000000" pitchFamily="34" charset="-128"/>
+              <a:ea typeface="Yu Gothic" panose="020B0400000000000000" pitchFamily="34" charset="-128"/>
+            </a:endParaRPr>
+          </a:p>
+          <a:p>
+            <a:endParaRPr lang="pt-BR" sz="1300" dirty="0">
+              <a:latin typeface="Yu Gothic" panose="020B0400000000000000" pitchFamily="34" charset="-128"/>
+              <a:ea typeface="Yu Gothic" panose="020B0400000000000000" pitchFamily="34" charset="-128"/>
+            </a:endParaRPr>
+          </a:p>
+          <a:p>
+            <a:endParaRPr lang="pt-BR" sz="1300" dirty="0">
+              <a:latin typeface="Yu Gothic" panose="020B0400000000000000" pitchFamily="34" charset="-128"/>
+              <a:ea typeface="Yu Gothic" panose="020B0400000000000000" pitchFamily="34" charset="-128"/>
+            </a:endParaRPr>
+          </a:p>
+          <a:p>
+            <a:endParaRPr lang="pt-BR" sz="1300" dirty="0">
+              <a:latin typeface="Yu Gothic" panose="020B0400000000000000" pitchFamily="34" charset="-128"/>
+              <a:ea typeface="Yu Gothic" panose="020B0400000000000000" pitchFamily="34" charset="-128"/>
+            </a:endParaRPr>
+          </a:p>
+          <a:p>
+            <a:endParaRPr lang="pt-BR" sz="1300" dirty="0" smtClean="0">
+              <a:latin typeface="Yu Gothic" panose="020B0400000000000000" pitchFamily="34" charset="-128"/>
+              <a:ea typeface="Yu Gothic" panose="020B0400000000000000" pitchFamily="34" charset="-128"/>
+            </a:endParaRPr>
+          </a:p>
+          <a:p>
+            <a:endParaRPr lang="pt-BR" sz="1300" dirty="0">
+              <a:latin typeface="Yu Gothic" panose="020B0400000000000000" pitchFamily="34" charset="-128"/>
+              <a:ea typeface="Yu Gothic" panose="020B0400000000000000" pitchFamily="34" charset="-128"/>
+            </a:endParaRPr>
+          </a:p>
+          <a:p>
+            <a:endParaRPr lang="pt-BR" sz="1300" dirty="0" smtClean="0">
+              <a:latin typeface="Yu Gothic" panose="020B0400000000000000" pitchFamily="34" charset="-128"/>
+              <a:ea typeface="Yu Gothic" panose="020B0400000000000000" pitchFamily="34" charset="-128"/>
+            </a:endParaRPr>
+          </a:p>
+          <a:p>
+            <a:endParaRPr lang="pt-BR" sz="1300" dirty="0">
+              <a:latin typeface="Yu Gothic" panose="020B0400000000000000" pitchFamily="34" charset="-128"/>
+              <a:ea typeface="Yu Gothic" panose="020B0400000000000000" pitchFamily="34" charset="-128"/>
+            </a:endParaRPr>
+          </a:p>
+          <a:p>
+            <a:endParaRPr lang="pt-BR" sz="1300" dirty="0" smtClean="0">
+              <a:latin typeface="Yu Gothic" panose="020B0400000000000000" pitchFamily="34" charset="-128"/>
+              <a:ea typeface="Yu Gothic" panose="020B0400000000000000" pitchFamily="34" charset="-128"/>
+            </a:endParaRPr>
+          </a:p>
+          <a:p>
+            <a:endParaRPr lang="pt-BR" sz="1300" dirty="0">
+              <a:latin typeface="Yu Gothic" panose="020B0400000000000000" pitchFamily="34" charset="-128"/>
+              <a:ea typeface="Yu Gothic" panose="020B0400000000000000" pitchFamily="34" charset="-128"/>
+            </a:endParaRPr>
+          </a:p>
+          <a:p>
+            <a:r>
+              <a:rPr lang="pt-BR" sz="1300" dirty="0" smtClean="0">
+                <a:latin typeface="Yu Gothic" panose="020B0400000000000000" pitchFamily="34" charset="-128"/>
+                <a:ea typeface="Yu Gothic" panose="020B0400000000000000" pitchFamily="34" charset="-128"/>
+              </a:rPr>
+              <a:t>Ao</a:t>
+            </a:r>
+            <a:r>
+              <a:rPr lang="pt-BR" sz="1300" dirty="0">
+                <a:latin typeface="Yu Gothic" panose="020B0400000000000000" pitchFamily="34" charset="-128"/>
+                <a:ea typeface="Yu Gothic" panose="020B0400000000000000" pitchFamily="34" charset="-128"/>
+              </a:rPr>
+              <a:t> longo destes anos enfrentamos grandes gigantes e podemos dizer que estamos vencendo um por um. No ano de 2017 entendemos que era o tempo de mudar para o centro de Recife. Não tínhamos finanças, apenas uma direção de Deus. Neste mesmo ano tive que viajar para o Uruguai, cuidar de minha mãe que estava adoentada. </a:t>
+            </a:r>
+            <a:endParaRPr lang="pt-BR" sz="1300" dirty="0" smtClean="0">
+              <a:latin typeface="Yu Gothic" panose="020B0400000000000000" pitchFamily="34" charset="-128"/>
+              <a:ea typeface="Yu Gothic" panose="020B0400000000000000" pitchFamily="34" charset="-128"/>
+            </a:endParaRPr>
+          </a:p>
+          <a:p>
+            <a:endParaRPr lang="pt-BR" sz="1300" dirty="0" smtClean="0">
+              <a:latin typeface="Yu Gothic" panose="020B0400000000000000" pitchFamily="34" charset="-128"/>
+              <a:ea typeface="Yu Gothic" panose="020B0400000000000000" pitchFamily="34" charset="-128"/>
+            </a:endParaRPr>
+          </a:p>
+          <a:p>
+            <a:endParaRPr lang="pt-BR" sz="1300" dirty="0">
+              <a:latin typeface="Yu Gothic" panose="020B0400000000000000" pitchFamily="34" charset="-128"/>
+              <a:ea typeface="Yu Gothic" panose="020B0400000000000000" pitchFamily="34" charset="-128"/>
+            </a:endParaRPr>
+          </a:p>
+        </p:txBody>
+      </p:sp>
+      <p:pic>
+        <p:nvPicPr>
+          <p:cNvPr id="1026" name="Picture 2" descr="https://o.remove.bg/downloads/120edc1e-f68f-4ca4-a380-653a47b9ce74/image-removebg-preview.png"/>
+          <p:cNvPicPr>
+            <a:picLocks noChangeAspect="1" noChangeArrowheads="1"/>
+          </p:cNvPicPr>
+          <p:nvPr/>
+        </p:nvPicPr>
+        <p:blipFill>
+          <a:blip r:embed="rId2">
+            <a:extLst>
+              <a:ext uri="{28A0092B-C50C-407E-A947-70E740481C1C}">
+                <a14:useLocalDpi xmlns:a14="http://schemas.microsoft.com/office/drawing/2010/main" val="0"/>
+              </a:ext>
+            </a:extLst>
+          </a:blip>
+          <a:srcRect/>
+          <a:stretch>
+            <a:fillRect/>
+          </a:stretch>
+        </p:blipFill>
+        <p:spPr bwMode="auto">
+          <a:xfrm>
+            <a:off x="4561337" y="782447"/>
+            <a:ext cx="3005825" cy="4005453"/>
+          </a:xfrm>
+          <a:prstGeom prst="rect">
+            <a:avLst/>
+          </a:prstGeom>
+          <a:noFill/>
+          <a:extLst>
+            <a:ext uri="{909E8E84-426E-40DD-AFC4-6F175D3DCCD1}">
+              <a14:hiddenFill xmlns:a14="http://schemas.microsoft.com/office/drawing/2010/main">
+                <a:solidFill>
+                  <a:srgbClr val="FFFFFF"/>
+                </a:solidFill>
+              </a14:hiddenFill>
+            </a:ext>
+          </a:extLst>
+        </p:spPr>
+      </p:pic>
+      <p:cxnSp>
+        <p:nvCxnSpPr>
+          <p:cNvPr id="5" name="Conector reto 4"/>
+          <p:cNvCxnSpPr/>
+          <p:nvPr/>
+        </p:nvCxnSpPr>
+        <p:spPr>
+          <a:xfrm flipH="1">
+            <a:off x="4241801" y="4787900"/>
+            <a:ext cx="3644899" cy="0"/>
+          </a:xfrm>
+          <a:prstGeom prst="line">
+            <a:avLst/>
+          </a:prstGeom>
+          <a:ln/>
+          <a:effectLst>
+            <a:outerShdw blurRad="50800" dist="38100" dir="5400000" algn="t" rotWithShape="0">
+              <a:prstClr val="black">
+                <a:alpha val="40000"/>
+              </a:prstClr>
+            </a:outerShdw>
+          </a:effectLst>
+        </p:spPr>
+        <p:style>
+          <a:lnRef idx="3">
+            <a:schemeClr val="dk1"/>
+          </a:lnRef>
+          <a:fillRef idx="0">
+            <a:schemeClr val="dk1"/>
+          </a:fillRef>
+          <a:effectRef idx="2">
+            <a:schemeClr val="dk1"/>
+          </a:effectRef>
+          <a:fontRef idx="minor">
+            <a:schemeClr val="tx1"/>
+          </a:fontRef>
+        </p:style>
+      </p:cxnSp>
+    </p:spTree>
+    <p:extLst>
+      <p:ext uri="{BB962C8B-B14F-4D97-AF65-F5344CB8AC3E}">
+        <p14:creationId xmlns:p14="http://schemas.microsoft.com/office/powerpoint/2010/main" val="2982895360"/>
+      </p:ext>
+    </p:extLst>
+  </p:cSld>
+  <p:clrMapOvr>
+    <a:masterClrMapping/>
+  </p:clrMapOvr>
+  <p:transition spd="slow">
+    <p:push dir="u"/>
+  </p:transition>
+  <p:timing>
+    <p:tnLst>
+      <p:par>
+        <p:cTn id="1" dur="indefinite" restart="never" nodeType="tmRoot"/>
+      </p:par>
+    </p:tnLst>
+  </p:timing>
+</p:sld>
+</file>
+
+<file path=ppt/slides/slide3.xml><?xml version="1.0" encoding="utf-8"?>
+<p:sld xmlns:a="http://schemas.openxmlformats.org/drawingml/2006/main" xmlns:r="http://schemas.openxmlformats.org/officeDocument/2006/relationships" xmlns:p="http://schemas.openxmlformats.org/presentationml/2006/main">
+  <p:cSld>
+    <p:spTree>
+      <p:nvGrpSpPr>
+        <p:cNvPr id="1" name=""/>
+        <p:cNvGrpSpPr/>
+        <p:nvPr/>
+      </p:nvGrpSpPr>
+      <p:grpSpPr>
+        <a:xfrm>
+          <a:off x="0" y="0"/>
+          <a:ext cx="0" cy="0"/>
+          <a:chOff x="0" y="0"/>
+          <a:chExt cx="0" cy="0"/>
+        </a:xfrm>
+      </p:grpSpPr>
+      <p:sp>
+        <p:nvSpPr>
+          <p:cNvPr id="6" name="Retângulo 5"/>
+          <p:cNvSpPr/>
+          <p:nvPr/>
+        </p:nvSpPr>
+        <p:spPr>
+          <a:xfrm>
+            <a:off x="3808446" y="0"/>
+            <a:ext cx="4575107" cy="6858000"/>
+          </a:xfrm>
+          <a:prstGeom prst="rect">
+            <a:avLst/>
+          </a:prstGeom>
+          <a:solidFill>
+            <a:schemeClr val="bg1"/>
+          </a:solidFill>
+          <a:ln w="19050">
+            <a:solidFill>
+              <a:schemeClr val="tx1"/>
+            </a:solidFill>
+          </a:ln>
+        </p:spPr>
+        <p:style>
+          <a:lnRef idx="2">
+            <a:schemeClr val="accent1">
+              <a:shade val="50000"/>
+            </a:schemeClr>
+          </a:lnRef>
+          <a:fillRef idx="1">
+            <a:schemeClr val="accent1"/>
+          </a:fillRef>
+          <a:effectRef idx="0">
+            <a:schemeClr val="accent1"/>
+          </a:effectRef>
+          <a:fontRef idx="minor">
+            <a:schemeClr val="lt1"/>
+          </a:fontRef>
+        </p:style>
+        <p:txBody>
+          <a:bodyPr rtlCol="0" anchor="ctr"/>
+          <a:lstStyle/>
+          <a:p>
+            <a:pPr algn="ctr"/>
+            <a:endParaRPr lang="pt-BR"/>
+          </a:p>
+        </p:txBody>
+      </p:sp>
+      <p:sp>
+        <p:nvSpPr>
+          <p:cNvPr id="4" name="Retângulo 3"/>
+          <p:cNvSpPr/>
+          <p:nvPr/>
+        </p:nvSpPr>
+        <p:spPr>
+          <a:xfrm>
+            <a:off x="4115714" y="282971"/>
+            <a:ext cx="3960569" cy="6063198"/>
+          </a:xfrm>
+          <a:prstGeom prst="rect">
+            <a:avLst/>
+          </a:prstGeom>
+        </p:spPr>
+        <p:txBody>
+          <a:bodyPr wrap="square">
+            <a:spAutoFit/>
+          </a:bodyPr>
+          <a:lstStyle/>
+          <a:p>
+            <a:r>
+              <a:rPr lang="pt-BR" sz="1300" dirty="0">
+                <a:latin typeface="Yu Gothic" panose="020B0400000000000000" pitchFamily="34" charset="-128"/>
+                <a:ea typeface="Yu Gothic" panose="020B0400000000000000" pitchFamily="34" charset="-128"/>
+              </a:rPr>
+              <a:t>Durante este período, fiquei fragilizada por estar longe de minha família, com muito frio e com muitas perguntas sobre o grande desafio de iniciar um </a:t>
+            </a:r>
+            <a:r>
+              <a:rPr lang="pt-BR" sz="1300" dirty="0" smtClean="0">
+                <a:latin typeface="Yu Gothic" panose="020B0400000000000000" pitchFamily="34" charset="-128"/>
+                <a:ea typeface="Yu Gothic" panose="020B0400000000000000" pitchFamily="34" charset="-128"/>
+              </a:rPr>
+              <a:t>ministério.Em</a:t>
+            </a:r>
+            <a:r>
+              <a:rPr lang="pt-BR" sz="1300" dirty="0">
+                <a:latin typeface="Yu Gothic" panose="020B0400000000000000" pitchFamily="34" charset="-128"/>
+                <a:ea typeface="Yu Gothic" panose="020B0400000000000000" pitchFamily="34" charset="-128"/>
+              </a:rPr>
+              <a:t> uma tarde </a:t>
+            </a:r>
+            <a:r>
+              <a:rPr lang="pt-BR" sz="1300" dirty="0" smtClean="0">
+                <a:latin typeface="Yu Gothic" panose="020B0400000000000000" pitchFamily="34" charset="-128"/>
+                <a:ea typeface="Yu Gothic" panose="020B0400000000000000" pitchFamily="34" charset="-128"/>
+              </a:rPr>
+              <a:t>fria</a:t>
+            </a:r>
+            <a:r>
+              <a:rPr lang="pt-BR" sz="1300" dirty="0">
+                <a:latin typeface="Yu Gothic" panose="020B0400000000000000" pitchFamily="34" charset="-128"/>
+                <a:ea typeface="Yu Gothic" panose="020B0400000000000000" pitchFamily="34" charset="-128"/>
+              </a:rPr>
+              <a:t> e cinza de domingo, Deus me lançou um desafio</a:t>
+            </a:r>
+            <a:r>
+              <a:rPr lang="pt-BR" sz="1300" dirty="0" smtClean="0">
+                <a:latin typeface="Yu Gothic" panose="020B0400000000000000" pitchFamily="34" charset="-128"/>
+                <a:ea typeface="Yu Gothic" panose="020B0400000000000000" pitchFamily="34" charset="-128"/>
+              </a:rPr>
+              <a:t>,“</a:t>
+            </a:r>
+            <a:r>
+              <a:rPr lang="pt-BR" sz="1300" dirty="0">
+                <a:latin typeface="Yu Gothic" panose="020B0400000000000000" pitchFamily="34" charset="-128"/>
+                <a:ea typeface="Yu Gothic" panose="020B0400000000000000" pitchFamily="34" charset="-128"/>
+              </a:rPr>
+              <a:t>Faça orações que somente Eu consiga responder. ” </a:t>
+            </a:r>
+            <a:endParaRPr lang="pt-BR" sz="1300" dirty="0" smtClean="0">
+              <a:latin typeface="Yu Gothic" panose="020B0400000000000000" pitchFamily="34" charset="-128"/>
+              <a:ea typeface="Yu Gothic" panose="020B0400000000000000" pitchFamily="34" charset="-128"/>
+            </a:endParaRPr>
+          </a:p>
+          <a:p>
+            <a:endParaRPr lang="pt-BR" sz="1300" dirty="0">
+              <a:latin typeface="Yu Gothic" panose="020B0400000000000000" pitchFamily="34" charset="-128"/>
+              <a:ea typeface="Yu Gothic" panose="020B0400000000000000" pitchFamily="34" charset="-128"/>
+            </a:endParaRPr>
+          </a:p>
+          <a:p>
+            <a:r>
+              <a:rPr lang="pt-BR" sz="1300" dirty="0" smtClean="0">
+                <a:latin typeface="Yu Gothic" panose="020B0400000000000000" pitchFamily="34" charset="-128"/>
+                <a:ea typeface="Yu Gothic" panose="020B0400000000000000" pitchFamily="34" charset="-128"/>
+              </a:rPr>
+              <a:t>Minha</a:t>
+            </a:r>
+            <a:r>
+              <a:rPr lang="pt-BR" sz="1300" dirty="0">
+                <a:latin typeface="Yu Gothic" panose="020B0400000000000000" pitchFamily="34" charset="-128"/>
+                <a:ea typeface="Yu Gothic" panose="020B0400000000000000" pitchFamily="34" charset="-128"/>
+              </a:rPr>
+              <a:t> resposta foi imediata, “Quero um carro grande e uma casa grande. ” Fiquei com minha mãe por sessenta dias e ao retornar ao Recife, vim com uma promessa de uma grande oferta para a compra do carro grande (Van) e da grande casa. No final de setembro do mesmo ano, nos mudamos para uma casa num bairro próximo ao centro de Recife e logo iniciamos o Projeto </a:t>
+            </a:r>
+            <a:r>
+              <a:rPr lang="pt-BR" sz="1300" dirty="0" smtClean="0">
+                <a:latin typeface="Yu Gothic" panose="020B0400000000000000" pitchFamily="34" charset="-128"/>
+                <a:ea typeface="Yu Gothic" panose="020B0400000000000000" pitchFamily="34" charset="-128"/>
+              </a:rPr>
+              <a:t>Resgatecom</a:t>
+            </a:r>
+            <a:r>
+              <a:rPr lang="pt-BR" sz="1300" dirty="0">
+                <a:latin typeface="Yu Gothic" panose="020B0400000000000000" pitchFamily="34" charset="-128"/>
+                <a:ea typeface="Yu Gothic" panose="020B0400000000000000" pitchFamily="34" charset="-128"/>
+              </a:rPr>
+              <a:t> a parceria da Tearfund e Igreja Batista em </a:t>
+            </a:r>
+            <a:r>
+              <a:rPr lang="pt-BR" sz="1300" dirty="0" smtClean="0">
+                <a:latin typeface="Yu Gothic" panose="020B0400000000000000" pitchFamily="34" charset="-128"/>
+                <a:ea typeface="Yu Gothic" panose="020B0400000000000000" pitchFamily="34" charset="-128"/>
+              </a:rPr>
+              <a:t>Coqueiral</a:t>
+            </a:r>
+          </a:p>
+          <a:p>
+            <a:endParaRPr lang="pt-BR" sz="1600" dirty="0">
+              <a:latin typeface="Yu Gothic" panose="020B0400000000000000" pitchFamily="34" charset="-128"/>
+              <a:ea typeface="Yu Gothic" panose="020B0400000000000000" pitchFamily="34" charset="-128"/>
+            </a:endParaRPr>
+          </a:p>
+          <a:p>
+            <a:r>
+              <a:rPr lang="pt-BR" b="1" dirty="0" smtClean="0">
+                <a:latin typeface="Yu Gothic" panose="020B0400000000000000" pitchFamily="34" charset="-128"/>
+                <a:ea typeface="Yu Gothic" panose="020B0400000000000000" pitchFamily="34" charset="-128"/>
+              </a:rPr>
+              <a:t>Jocum Marco Zero</a:t>
+            </a:r>
+          </a:p>
+          <a:p>
+            <a:endParaRPr lang="pt-BR" b="1" dirty="0">
+              <a:latin typeface="Yu Gothic" panose="020B0400000000000000" pitchFamily="34" charset="-128"/>
+              <a:ea typeface="Yu Gothic" panose="020B0400000000000000" pitchFamily="34" charset="-128"/>
+            </a:endParaRPr>
+          </a:p>
+          <a:p>
+            <a:r>
+              <a:rPr lang="pt-BR" sz="1600" b="1" dirty="0" smtClean="0">
+                <a:latin typeface="Yu Gothic" panose="020B0400000000000000" pitchFamily="34" charset="-128"/>
+                <a:ea typeface="Yu Gothic" panose="020B0400000000000000" pitchFamily="34" charset="-128"/>
+              </a:rPr>
+              <a:t>- Abordagem</a:t>
+            </a:r>
+          </a:p>
+          <a:p>
+            <a:endParaRPr lang="pt-BR" sz="1400" dirty="0">
+              <a:latin typeface="Yu Gothic" panose="020B0400000000000000" pitchFamily="34" charset="-128"/>
+              <a:ea typeface="Yu Gothic" panose="020B0400000000000000" pitchFamily="34" charset="-128"/>
+            </a:endParaRPr>
+          </a:p>
+          <a:p>
+            <a:r>
+              <a:rPr lang="pt-BR" sz="1400" dirty="0" smtClean="0">
+                <a:latin typeface="Yu Gothic" panose="020B0400000000000000" pitchFamily="34" charset="-128"/>
+                <a:ea typeface="Yu Gothic" panose="020B0400000000000000" pitchFamily="34" charset="-128"/>
+              </a:rPr>
+              <a:t>Em</a:t>
+            </a:r>
+            <a:r>
+              <a:rPr lang="pt-BR" sz="1400" dirty="0">
+                <a:latin typeface="Yu Gothic" panose="020B0400000000000000" pitchFamily="34" charset="-128"/>
+                <a:ea typeface="Yu Gothic" panose="020B0400000000000000" pitchFamily="34" charset="-128"/>
+              </a:rPr>
+              <a:t> meados do mês de julho, diante de tantos desafios surge uma nova iniciativa de Jocum Brasil, levando o nome de Jocum Marco Zero. Entendemos que precisávamos estar mais dias nas ruas, ter um contato significativo e a longo prazo com as pessoas que por diversos motivos estão em situação de rua</a:t>
+            </a:r>
+            <a:r>
+              <a:rPr lang="pt-BR" sz="1400" dirty="0" smtClean="0">
+                <a:latin typeface="Yu Gothic" panose="020B0400000000000000" pitchFamily="34" charset="-128"/>
+                <a:ea typeface="Yu Gothic" panose="020B0400000000000000" pitchFamily="34" charset="-128"/>
+              </a:rPr>
+              <a:t>.</a:t>
+            </a:r>
+          </a:p>
+        </p:txBody>
+      </p:sp>
+      <p:pic>
+        <p:nvPicPr>
+          <p:cNvPr id="2050" name="Picture 2" descr="CONHECER A DEUS E FAZE-LO CONHECIDO: Jocum"/>
+          <p:cNvPicPr>
+            <a:picLocks noChangeAspect="1" noChangeArrowheads="1"/>
+          </p:cNvPicPr>
+          <p:nvPr/>
+        </p:nvPicPr>
+        <p:blipFill>
+          <a:blip r:embed="rId2" cstate="print">
+            <a:extLst>
+              <a:ext uri="{28A0092B-C50C-407E-A947-70E740481C1C}">
+                <a14:useLocalDpi xmlns:a14="http://schemas.microsoft.com/office/drawing/2010/main" val="0"/>
+              </a:ext>
+            </a:extLst>
+          </a:blip>
+          <a:srcRect/>
+          <a:stretch>
+            <a:fillRect/>
+          </a:stretch>
+        </p:blipFill>
+        <p:spPr bwMode="auto">
+          <a:xfrm>
+            <a:off x="6384009" y="3675887"/>
+            <a:ext cx="445381" cy="359400"/>
+          </a:xfrm>
+          <a:prstGeom prst="rect">
+            <a:avLst/>
+          </a:prstGeom>
+          <a:noFill/>
+          <a:extLst>
+            <a:ext uri="{909E8E84-426E-40DD-AFC4-6F175D3DCCD1}">
+              <a14:hiddenFill xmlns:a14="http://schemas.microsoft.com/office/drawing/2010/main">
+                <a:solidFill>
+                  <a:srgbClr val="FFFFFF"/>
+                </a:solidFill>
+              </a14:hiddenFill>
+            </a:ext>
+          </a:extLst>
+        </p:spPr>
+      </p:pic>
+    </p:spTree>
+    <p:extLst>
+      <p:ext uri="{BB962C8B-B14F-4D97-AF65-F5344CB8AC3E}">
+        <p14:creationId xmlns:p14="http://schemas.microsoft.com/office/powerpoint/2010/main" val="3409809748"/>
+      </p:ext>
+    </p:extLst>
+  </p:cSld>
+  <p:clrMapOvr>
+    <a:masterClrMapping/>
+  </p:clrMapOvr>
+  <p:transition spd="slow">
+    <p:push dir="u"/>
+  </p:transition>
+  <p:timing>
+    <p:tnLst>
+      <p:par>
+        <p:cTn id="1" dur="indefinite" restart="never" nodeType="tmRoot"/>
+      </p:par>
+    </p:tnLst>
+  </p:timing>
+</p:sld>
+</file>
+
+<file path=ppt/slides/slide4.xml><?xml version="1.0" encoding="utf-8"?>
+<p:sld xmlns:a="http://schemas.openxmlformats.org/drawingml/2006/main" xmlns:r="http://schemas.openxmlformats.org/officeDocument/2006/relationships" xmlns:p="http://schemas.openxmlformats.org/presentationml/2006/main">
+  <p:cSld>
+    <p:spTree>
+      <p:nvGrpSpPr>
+        <p:cNvPr id="1" name=""/>
+        <p:cNvGrpSpPr/>
+        <p:nvPr/>
+      </p:nvGrpSpPr>
+      <p:grpSpPr>
+        <a:xfrm>
+          <a:off x="0" y="0"/>
+          <a:ext cx="0" cy="0"/>
+          <a:chOff x="0" y="0"/>
+          <a:chExt cx="0" cy="0"/>
+        </a:xfrm>
+      </p:grpSpPr>
+      <p:sp>
+        <p:nvSpPr>
+          <p:cNvPr id="3" name="Retângulo 2"/>
+          <p:cNvSpPr/>
+          <p:nvPr/>
+        </p:nvSpPr>
+        <p:spPr>
+          <a:xfrm>
+            <a:off x="3808446" y="0"/>
+            <a:ext cx="4575107" cy="6858000"/>
+          </a:xfrm>
+          <a:prstGeom prst="rect">
+            <a:avLst/>
+          </a:prstGeom>
+          <a:solidFill>
+            <a:schemeClr val="bg1"/>
+          </a:solidFill>
+          <a:ln w="19050">
+            <a:solidFill>
+              <a:schemeClr val="tx1"/>
+            </a:solidFill>
+          </a:ln>
+        </p:spPr>
+        <p:style>
+          <a:lnRef idx="2">
+            <a:schemeClr val="accent1">
+              <a:shade val="50000"/>
+            </a:schemeClr>
+          </a:lnRef>
+          <a:fillRef idx="1">
+            <a:schemeClr val="accent1"/>
+          </a:fillRef>
+          <a:effectRef idx="0">
+            <a:schemeClr val="accent1"/>
+          </a:effectRef>
+          <a:fontRef idx="minor">
+            <a:schemeClr val="lt1"/>
+          </a:fontRef>
+        </p:style>
+        <p:txBody>
+          <a:bodyPr rtlCol="0" anchor="ctr"/>
+          <a:lstStyle/>
+          <a:p>
+            <a:pPr algn="ctr"/>
+            <a:endParaRPr lang="pt-BR"/>
+          </a:p>
+        </p:txBody>
+      </p:sp>
+      <p:sp>
+        <p:nvSpPr>
+          <p:cNvPr id="7" name="Retângulo 6"/>
+          <p:cNvSpPr/>
+          <p:nvPr/>
+        </p:nvSpPr>
+        <p:spPr>
+          <a:xfrm>
+            <a:off x="5522630" y="4873979"/>
+            <a:ext cx="2439353" cy="1625600"/>
+          </a:xfrm>
+          <a:prstGeom prst="rect">
+            <a:avLst/>
+          </a:prstGeom>
+          <a:solidFill>
+            <a:srgbClr val="F622E7"/>
+          </a:solidFill>
+          <a:ln w="19050">
+            <a:solidFill>
+              <a:schemeClr val="tx1"/>
+            </a:solidFill>
+          </a:ln>
+        </p:spPr>
+        <p:style>
+          <a:lnRef idx="2">
+            <a:schemeClr val="accent1">
+              <a:shade val="50000"/>
+            </a:schemeClr>
+          </a:lnRef>
+          <a:fillRef idx="1">
+            <a:schemeClr val="accent1"/>
+          </a:fillRef>
+          <a:effectRef idx="0">
+            <a:schemeClr val="accent1"/>
+          </a:effectRef>
+          <a:fontRef idx="minor">
+            <a:schemeClr val="lt1"/>
+          </a:fontRef>
+        </p:style>
+        <p:txBody>
+          <a:bodyPr rtlCol="0" anchor="ctr"/>
+          <a:lstStyle/>
+          <a:p>
+            <a:pPr algn="ctr"/>
+            <a:endParaRPr lang="pt-BR"/>
+          </a:p>
+        </p:txBody>
+      </p:sp>
+      <p:sp>
+        <p:nvSpPr>
+          <p:cNvPr id="2" name="Retângulo 1"/>
+          <p:cNvSpPr/>
+          <p:nvPr/>
+        </p:nvSpPr>
+        <p:spPr>
+          <a:xfrm>
+            <a:off x="4115714" y="263158"/>
+            <a:ext cx="3960569" cy="5970865"/>
+          </a:xfrm>
+          <a:prstGeom prst="rect">
+            <a:avLst/>
+          </a:prstGeom>
+        </p:spPr>
+        <p:txBody>
+          <a:bodyPr wrap="square">
+            <a:spAutoFit/>
+          </a:bodyPr>
+          <a:lstStyle/>
+          <a:p>
+            <a:r>
+              <a:rPr lang="pt-BR" sz="1300" dirty="0">
+                <a:latin typeface="Yu Gothic" panose="020B0400000000000000" pitchFamily="34" charset="-128"/>
+                <a:ea typeface="Yu Gothic" panose="020B0400000000000000" pitchFamily="34" charset="-128"/>
+              </a:rPr>
+              <a:t>Nessa abordagem que fazemos semanalmente, revelamos fotos, levamos diversas brincadeiras, jogos, cinema na rua entre outras atividades. Nosso objetivo é construir um vínculo de carinho, apreciação e confiança.  “Seu Fernando, cadê a minha foto? ” Essa é a frase que mais escutamos quando chegamos nas ruas. Quando a criança, adolescente ou adulto se vê em sua foto, é nítida a alegria e o sentimento de uma pessoa reconhecida e importante</a:t>
+            </a:r>
+            <a:r>
+              <a:rPr lang="pt-BR" sz="1300" dirty="0" smtClean="0">
+                <a:latin typeface="Yu Gothic" panose="020B0400000000000000" pitchFamily="34" charset="-128"/>
+                <a:ea typeface="Yu Gothic" panose="020B0400000000000000" pitchFamily="34" charset="-128"/>
+              </a:rPr>
+              <a:t>.</a:t>
+            </a:r>
+          </a:p>
+          <a:p>
+            <a:endParaRPr lang="pt-BR" sz="1300" dirty="0" smtClean="0">
+              <a:latin typeface="Yu Gothic" panose="020B0400000000000000" pitchFamily="34" charset="-128"/>
+              <a:ea typeface="Yu Gothic" panose="020B0400000000000000" pitchFamily="34" charset="-128"/>
+            </a:endParaRPr>
+          </a:p>
+          <a:p>
+            <a:endParaRPr lang="pt-BR" sz="1300" dirty="0">
+              <a:latin typeface="Yu Gothic" panose="020B0400000000000000" pitchFamily="34" charset="-128"/>
+              <a:ea typeface="Yu Gothic" panose="020B0400000000000000" pitchFamily="34" charset="-128"/>
+            </a:endParaRPr>
+          </a:p>
+          <a:p>
+            <a:endParaRPr lang="pt-BR" sz="1300" dirty="0" smtClean="0">
+              <a:latin typeface="Yu Gothic" panose="020B0400000000000000" pitchFamily="34" charset="-128"/>
+              <a:ea typeface="Yu Gothic" panose="020B0400000000000000" pitchFamily="34" charset="-128"/>
+            </a:endParaRPr>
+          </a:p>
+          <a:p>
+            <a:endParaRPr lang="pt-BR" sz="1300" dirty="0">
+              <a:latin typeface="Yu Gothic" panose="020B0400000000000000" pitchFamily="34" charset="-128"/>
+              <a:ea typeface="Yu Gothic" panose="020B0400000000000000" pitchFamily="34" charset="-128"/>
+            </a:endParaRPr>
+          </a:p>
+          <a:p>
+            <a:endParaRPr lang="pt-BR" sz="1300" dirty="0" smtClean="0">
+              <a:latin typeface="Yu Gothic" panose="020B0400000000000000" pitchFamily="34" charset="-128"/>
+              <a:ea typeface="Yu Gothic" panose="020B0400000000000000" pitchFamily="34" charset="-128"/>
+            </a:endParaRPr>
+          </a:p>
+          <a:p>
+            <a:endParaRPr lang="pt-BR" sz="1300" dirty="0">
+              <a:latin typeface="Yu Gothic" panose="020B0400000000000000" pitchFamily="34" charset="-128"/>
+              <a:ea typeface="Yu Gothic" panose="020B0400000000000000" pitchFamily="34" charset="-128"/>
+            </a:endParaRPr>
+          </a:p>
+          <a:p>
+            <a:endParaRPr lang="pt-BR" sz="1300" dirty="0" smtClean="0">
+              <a:latin typeface="Yu Gothic" panose="020B0400000000000000" pitchFamily="34" charset="-128"/>
+              <a:ea typeface="Yu Gothic" panose="020B0400000000000000" pitchFamily="34" charset="-128"/>
+            </a:endParaRPr>
+          </a:p>
+          <a:p>
+            <a:endParaRPr lang="pt-BR" sz="1300" dirty="0">
+              <a:latin typeface="Yu Gothic" panose="020B0400000000000000" pitchFamily="34" charset="-128"/>
+              <a:ea typeface="Yu Gothic" panose="020B0400000000000000" pitchFamily="34" charset="-128"/>
+            </a:endParaRPr>
+          </a:p>
+          <a:p>
+            <a:endParaRPr lang="pt-BR" sz="1300" dirty="0" smtClean="0">
+              <a:latin typeface="Yu Gothic" panose="020B0400000000000000" pitchFamily="34" charset="-128"/>
+              <a:ea typeface="Yu Gothic" panose="020B0400000000000000" pitchFamily="34" charset="-128"/>
+            </a:endParaRPr>
+          </a:p>
+          <a:p>
+            <a:endParaRPr lang="pt-BR" sz="1300" dirty="0">
+              <a:latin typeface="Yu Gothic" panose="020B0400000000000000" pitchFamily="34" charset="-128"/>
+              <a:ea typeface="Yu Gothic" panose="020B0400000000000000" pitchFamily="34" charset="-128"/>
+            </a:endParaRPr>
+          </a:p>
+          <a:p>
+            <a:endParaRPr lang="pt-BR" sz="1300" dirty="0" smtClean="0">
+              <a:latin typeface="Yu Gothic" panose="020B0400000000000000" pitchFamily="34" charset="-128"/>
+              <a:ea typeface="Yu Gothic" panose="020B0400000000000000" pitchFamily="34" charset="-128"/>
+            </a:endParaRPr>
+          </a:p>
+          <a:p>
+            <a:endParaRPr lang="pt-BR" sz="1300" dirty="0">
+              <a:latin typeface="Yu Gothic" panose="020B0400000000000000" pitchFamily="34" charset="-128"/>
+              <a:ea typeface="Yu Gothic" panose="020B0400000000000000" pitchFamily="34" charset="-128"/>
+            </a:endParaRPr>
+          </a:p>
+          <a:p>
+            <a:endParaRPr lang="pt-BR" sz="1300" dirty="0" smtClean="0">
+              <a:latin typeface="Yu Gothic" panose="020B0400000000000000" pitchFamily="34" charset="-128"/>
+              <a:ea typeface="Yu Gothic" panose="020B0400000000000000" pitchFamily="34" charset="-128"/>
+            </a:endParaRPr>
+          </a:p>
+          <a:p>
+            <a:endParaRPr lang="pt-BR" sz="1300" dirty="0">
+              <a:latin typeface="Yu Gothic" panose="020B0400000000000000" pitchFamily="34" charset="-128"/>
+              <a:ea typeface="Yu Gothic" panose="020B0400000000000000" pitchFamily="34" charset="-128"/>
+            </a:endParaRPr>
+          </a:p>
+          <a:p>
+            <a:endParaRPr lang="pt-BR" sz="1300" dirty="0" smtClean="0">
+              <a:latin typeface="Yu Gothic" panose="020B0400000000000000" pitchFamily="34" charset="-128"/>
+              <a:ea typeface="Yu Gothic" panose="020B0400000000000000" pitchFamily="34" charset="-128"/>
+            </a:endParaRPr>
+          </a:p>
+          <a:p>
+            <a:endParaRPr lang="pt-BR" sz="1300" dirty="0">
+              <a:latin typeface="Yu Gothic" panose="020B0400000000000000" pitchFamily="34" charset="-128"/>
+              <a:ea typeface="Yu Gothic" panose="020B0400000000000000" pitchFamily="34" charset="-128"/>
+            </a:endParaRPr>
+          </a:p>
+          <a:p>
+            <a:endParaRPr lang="pt-BR" sz="1300" dirty="0" smtClean="0">
+              <a:latin typeface="Yu Gothic" panose="020B0400000000000000" pitchFamily="34" charset="-128"/>
+              <a:ea typeface="Yu Gothic" panose="020B0400000000000000" pitchFamily="34" charset="-128"/>
+            </a:endParaRPr>
+          </a:p>
+          <a:p>
+            <a:endParaRPr lang="pt-BR" sz="1300" dirty="0">
+              <a:latin typeface="Yu Gothic" panose="020B0400000000000000" pitchFamily="34" charset="-128"/>
+              <a:ea typeface="Yu Gothic" panose="020B0400000000000000" pitchFamily="34" charset="-128"/>
+            </a:endParaRPr>
+          </a:p>
+          <a:p>
+            <a:endParaRPr lang="pt-BR" b="1" dirty="0">
+              <a:latin typeface="Yu Gothic" panose="020B0400000000000000" pitchFamily="34" charset="-128"/>
+              <a:ea typeface="Yu Gothic" panose="020B0400000000000000" pitchFamily="34" charset="-128"/>
+            </a:endParaRPr>
+          </a:p>
+        </p:txBody>
+      </p:sp>
+      <p:sp>
+        <p:nvSpPr>
+          <p:cNvPr id="5" name="Retângulo 4"/>
+          <p:cNvSpPr/>
+          <p:nvPr/>
+        </p:nvSpPr>
+        <p:spPr>
+          <a:xfrm>
+            <a:off x="4437555" y="2811925"/>
+            <a:ext cx="2439353" cy="1625600"/>
+          </a:xfrm>
+          <a:prstGeom prst="rect">
+            <a:avLst/>
+          </a:prstGeom>
+          <a:solidFill>
+            <a:srgbClr val="51DFDF"/>
+          </a:solidFill>
+          <a:ln w="19050">
+            <a:solidFill>
+              <a:schemeClr val="tx1"/>
+            </a:solidFill>
+          </a:ln>
+        </p:spPr>
+        <p:style>
+          <a:lnRef idx="2">
+            <a:schemeClr val="accent1">
+              <a:shade val="50000"/>
+            </a:schemeClr>
+          </a:lnRef>
+          <a:fillRef idx="1">
+            <a:schemeClr val="accent1"/>
+          </a:fillRef>
+          <a:effectRef idx="0">
+            <a:schemeClr val="accent1"/>
+          </a:effectRef>
+          <a:fontRef idx="minor">
+            <a:schemeClr val="lt1"/>
+          </a:fontRef>
+        </p:style>
+        <p:txBody>
+          <a:bodyPr rtlCol="0" anchor="ctr"/>
+          <a:lstStyle/>
+          <a:p>
+            <a:pPr algn="ctr"/>
+            <a:endParaRPr lang="pt-BR"/>
+          </a:p>
+        </p:txBody>
+      </p:sp>
+      <p:pic>
+        <p:nvPicPr>
+          <p:cNvPr id="4" name="Imagem 3"/>
+          <p:cNvPicPr>
+            <a:picLocks noChangeAspect="1"/>
+          </p:cNvPicPr>
+          <p:nvPr/>
+        </p:nvPicPr>
+        <p:blipFill>
+          <a:blip r:embed="rId2" cstate="print">
+            <a:extLst>
+              <a:ext uri="{28A0092B-C50C-407E-A947-70E740481C1C}">
+                <a14:useLocalDpi xmlns:a14="http://schemas.microsoft.com/office/drawing/2010/main" val="0"/>
+              </a:ext>
+            </a:extLst>
+          </a:blip>
+          <a:stretch>
+            <a:fillRect/>
+          </a:stretch>
+        </p:blipFill>
+        <p:spPr>
+          <a:xfrm>
+            <a:off x="4251036" y="2628614"/>
+            <a:ext cx="2439353" cy="1625600"/>
+          </a:xfrm>
+          <a:prstGeom prst="rect">
+            <a:avLst/>
+          </a:prstGeom>
+          <a:ln w="19050">
+            <a:solidFill>
+              <a:schemeClr val="tx1"/>
+            </a:solidFill>
+          </a:ln>
+        </p:spPr>
+      </p:pic>
+      <p:pic>
+        <p:nvPicPr>
+          <p:cNvPr id="6" name="Imagem 5"/>
+          <p:cNvPicPr>
+            <a:picLocks noChangeAspect="1"/>
+          </p:cNvPicPr>
+          <p:nvPr/>
+        </p:nvPicPr>
+        <p:blipFill>
+          <a:blip r:embed="rId3" cstate="print">
+            <a:extLst>
+              <a:ext uri="{28A0092B-C50C-407E-A947-70E740481C1C}">
+                <a14:useLocalDpi xmlns:a14="http://schemas.microsoft.com/office/drawing/2010/main" val="0"/>
+              </a:ext>
+            </a:extLst>
+          </a:blip>
+          <a:stretch>
+            <a:fillRect/>
+          </a:stretch>
+        </p:blipFill>
+        <p:spPr>
+          <a:xfrm>
+            <a:off x="5317052" y="4694656"/>
+            <a:ext cx="2439353" cy="1626810"/>
+          </a:xfrm>
+          <a:prstGeom prst="rect">
+            <a:avLst/>
+          </a:prstGeom>
+          <a:ln w="19050">
+            <a:solidFill>
+              <a:schemeClr val="tx1"/>
+            </a:solidFill>
+          </a:ln>
+        </p:spPr>
+      </p:pic>
+    </p:spTree>
+    <p:extLst>
+      <p:ext uri="{BB962C8B-B14F-4D97-AF65-F5344CB8AC3E}">
+        <p14:creationId xmlns:p14="http://schemas.microsoft.com/office/powerpoint/2010/main" val="4263573272"/>
+      </p:ext>
+    </p:extLst>
+  </p:cSld>
+  <p:clrMapOvr>
+    <a:masterClrMapping/>
+  </p:clrMapOvr>
+  <p:transition spd="slow">
+    <p:push dir="u"/>
+  </p:transition>
+  <p:timing>
+    <p:tnLst>
+      <p:par>
+        <p:cTn id="1" dur="indefinite" restart="never" nodeType="tmRoot"/>
+      </p:par>
+    </p:tnLst>
+  </p:timing>
+</p:sld>
+</file>
+
+<file path=ppt/slides/slide5.xml><?xml version="1.0" encoding="utf-8"?>
+<p:sld xmlns:a="http://schemas.openxmlformats.org/drawingml/2006/main" xmlns:r="http://schemas.openxmlformats.org/officeDocument/2006/relationships" xmlns:p="http://schemas.openxmlformats.org/presentationml/2006/main">
+  <p:cSld>
+    <p:spTree>
+      <p:nvGrpSpPr>
+        <p:cNvPr id="1" name=""/>
+        <p:cNvGrpSpPr/>
+        <p:nvPr/>
+      </p:nvGrpSpPr>
+      <p:grpSpPr>
+        <a:xfrm>
+          <a:off x="0" y="0"/>
+          <a:ext cx="0" cy="0"/>
+          <a:chOff x="0" y="0"/>
+          <a:chExt cx="0" cy="0"/>
+        </a:xfrm>
+      </p:grpSpPr>
+      <p:sp>
+        <p:nvSpPr>
+          <p:cNvPr id="2" name="Retângulo 1"/>
+          <p:cNvSpPr/>
+          <p:nvPr/>
+        </p:nvSpPr>
+        <p:spPr>
+          <a:xfrm>
+            <a:off x="3808446" y="0"/>
+            <a:ext cx="4575107" cy="6858000"/>
+          </a:xfrm>
+          <a:prstGeom prst="rect">
+            <a:avLst/>
+          </a:prstGeom>
+          <a:solidFill>
+            <a:schemeClr val="bg1"/>
+          </a:solidFill>
+          <a:ln w="19050">
+            <a:solidFill>
+              <a:schemeClr val="tx1"/>
+            </a:solidFill>
+          </a:ln>
+        </p:spPr>
+        <p:style>
+          <a:lnRef idx="2">
+            <a:schemeClr val="accent1">
+              <a:shade val="50000"/>
+            </a:schemeClr>
+          </a:lnRef>
+          <a:fillRef idx="1">
+            <a:schemeClr val="accent1"/>
+          </a:fillRef>
+          <a:effectRef idx="0">
+            <a:schemeClr val="accent1"/>
+          </a:effectRef>
+          <a:fontRef idx="minor">
+            <a:schemeClr val="lt1"/>
+          </a:fontRef>
+        </p:style>
+        <p:txBody>
+          <a:bodyPr rtlCol="0" anchor="ctr"/>
+          <a:lstStyle/>
+          <a:p>
+            <a:pPr algn="ctr"/>
+            <a:endParaRPr lang="pt-BR"/>
+          </a:p>
+        </p:txBody>
+      </p:sp>
+      <p:sp>
+        <p:nvSpPr>
+          <p:cNvPr id="5" name="Retângulo 4"/>
+          <p:cNvSpPr/>
+          <p:nvPr/>
+        </p:nvSpPr>
+        <p:spPr>
+          <a:xfrm>
+            <a:off x="4366098" y="515473"/>
+            <a:ext cx="2439353" cy="1625600"/>
+          </a:xfrm>
+          <a:prstGeom prst="rect">
+            <a:avLst/>
+          </a:prstGeom>
+          <a:solidFill>
+            <a:srgbClr val="FFFF00"/>
+          </a:solidFill>
+          <a:ln w="19050">
+            <a:solidFill>
+              <a:schemeClr val="tx1"/>
+            </a:solidFill>
+          </a:ln>
+        </p:spPr>
+        <p:style>
+          <a:lnRef idx="2">
+            <a:schemeClr val="accent1">
+              <a:shade val="50000"/>
+            </a:schemeClr>
+          </a:lnRef>
+          <a:fillRef idx="1">
+            <a:schemeClr val="accent1"/>
+          </a:fillRef>
+          <a:effectRef idx="0">
+            <a:schemeClr val="accent1"/>
+          </a:effectRef>
+          <a:fontRef idx="minor">
+            <a:schemeClr val="lt1"/>
+          </a:fontRef>
+        </p:style>
+        <p:txBody>
+          <a:bodyPr rtlCol="0" anchor="ctr"/>
+          <a:lstStyle/>
+          <a:p>
+            <a:pPr algn="ctr"/>
+            <a:endParaRPr lang="pt-BR"/>
+          </a:p>
+        </p:txBody>
+      </p:sp>
+      <p:pic>
+        <p:nvPicPr>
+          <p:cNvPr id="9" name="Imagem 8"/>
+          <p:cNvPicPr>
+            <a:picLocks noChangeAspect="1"/>
+          </p:cNvPicPr>
+          <p:nvPr/>
+        </p:nvPicPr>
+        <p:blipFill>
+          <a:blip r:embed="rId2" cstate="print">
+            <a:extLst>
+              <a:ext uri="{28A0092B-C50C-407E-A947-70E740481C1C}">
+                <a14:useLocalDpi xmlns:a14="http://schemas.microsoft.com/office/drawing/2010/main" val="0"/>
+              </a:ext>
+            </a:extLst>
+          </a:blip>
+          <a:stretch>
+            <a:fillRect/>
+          </a:stretch>
+        </p:blipFill>
+        <p:spPr>
+          <a:xfrm>
+            <a:off x="4195512" y="342863"/>
+            <a:ext cx="2462471" cy="1661443"/>
+          </a:xfrm>
+          <a:prstGeom prst="rect">
+            <a:avLst/>
+          </a:prstGeom>
+        </p:spPr>
+      </p:pic>
+      <p:sp>
+        <p:nvSpPr>
+          <p:cNvPr id="10" name="Retângulo 9"/>
+          <p:cNvSpPr/>
+          <p:nvPr/>
+        </p:nvSpPr>
+        <p:spPr>
+          <a:xfrm>
+            <a:off x="4109451" y="2523476"/>
+            <a:ext cx="3960569" cy="3339376"/>
+          </a:xfrm>
+          <a:prstGeom prst="rect">
+            <a:avLst/>
+          </a:prstGeom>
+        </p:spPr>
+        <p:txBody>
+          <a:bodyPr wrap="square">
+            <a:spAutoFit/>
+          </a:bodyPr>
+          <a:lstStyle/>
+          <a:p>
+            <a:pPr marL="285750" indent="-285750">
+              <a:buFontTx/>
+              <a:buChar char="-"/>
+            </a:pPr>
+            <a:r>
+              <a:rPr lang="pt-BR" sz="1600" b="1" dirty="0">
+                <a:latin typeface="Yu Gothic" panose="020B0400000000000000" pitchFamily="34" charset="-128"/>
+                <a:ea typeface="Yu Gothic" panose="020B0400000000000000" pitchFamily="34" charset="-128"/>
+              </a:rPr>
+              <a:t>Visitas</a:t>
+            </a:r>
+          </a:p>
+          <a:p>
+            <a:pPr marL="285750" indent="-285750">
+              <a:buFontTx/>
+              <a:buChar char="-"/>
+            </a:pPr>
+            <a:endParaRPr lang="pt-BR" sz="1300" b="1" dirty="0">
+              <a:latin typeface="Yu Gothic" panose="020B0400000000000000" pitchFamily="34" charset="-128"/>
+              <a:ea typeface="Yu Gothic" panose="020B0400000000000000" pitchFamily="34" charset="-128"/>
+            </a:endParaRPr>
+          </a:p>
+          <a:p>
+            <a:r>
+              <a:rPr lang="pt-BR" sz="1300" dirty="0">
+                <a:latin typeface="Yu Gothic" panose="020B0400000000000000" pitchFamily="34" charset="-128"/>
+                <a:ea typeface="Yu Gothic" panose="020B0400000000000000" pitchFamily="34" charset="-128"/>
+              </a:rPr>
+              <a:t>O fator de já ter um relacionamento significativo com eles nas ruas, torna a visita à família algo consequente e prazeroso. Chegar na casa sem o endereço certo é um desafio onde toda a comunidade se envolve, pois, a criança ou adolescente é conhecido por muitos. </a:t>
+            </a:r>
+            <a:endParaRPr lang="pt-BR" sz="1300" dirty="0" smtClean="0">
+              <a:latin typeface="Yu Gothic" panose="020B0400000000000000" pitchFamily="34" charset="-128"/>
+              <a:ea typeface="Yu Gothic" panose="020B0400000000000000" pitchFamily="34" charset="-128"/>
+            </a:endParaRPr>
+          </a:p>
+          <a:p>
+            <a:endParaRPr lang="pt-BR" sz="1300" dirty="0">
+              <a:latin typeface="Yu Gothic" panose="020B0400000000000000" pitchFamily="34" charset="-128"/>
+              <a:ea typeface="Yu Gothic" panose="020B0400000000000000" pitchFamily="34" charset="-128"/>
+            </a:endParaRPr>
+          </a:p>
+          <a:p>
+            <a:r>
+              <a:rPr lang="pt-BR" sz="1300" dirty="0" smtClean="0">
+                <a:latin typeface="Yu Gothic" panose="020B0400000000000000" pitchFamily="34" charset="-128"/>
+                <a:ea typeface="Yu Gothic" panose="020B0400000000000000" pitchFamily="34" charset="-128"/>
+              </a:rPr>
+              <a:t>Em</a:t>
+            </a:r>
+            <a:r>
+              <a:rPr lang="pt-BR" sz="1300" dirty="0">
+                <a:latin typeface="Yu Gothic" panose="020B0400000000000000" pitchFamily="34" charset="-128"/>
+                <a:ea typeface="Yu Gothic" panose="020B0400000000000000" pitchFamily="34" charset="-128"/>
+              </a:rPr>
+              <a:t> alguns casos, a rua é mais espaçosa, limpa e mais segura do que a própria casa. Em todas as famílias que visitamos, nos deparamos com grandes desafios e muitas necessidades, mas ao mesmo tempo vemos como é difícil para uma família compreender que é necessário pensar a longo prazo e juntos promover um bom futuro para </a:t>
+            </a:r>
+            <a:r>
+              <a:rPr lang="pt-BR" sz="1300" dirty="0" smtClean="0">
+                <a:latin typeface="Yu Gothic" panose="020B0400000000000000" pitchFamily="34" charset="-128"/>
+                <a:ea typeface="Yu Gothic" panose="020B0400000000000000" pitchFamily="34" charset="-128"/>
+              </a:rPr>
+              <a:t>todos.</a:t>
+            </a:r>
+          </a:p>
+        </p:txBody>
+      </p:sp>
+    </p:spTree>
+    <p:extLst>
+      <p:ext uri="{BB962C8B-B14F-4D97-AF65-F5344CB8AC3E}">
+        <p14:creationId xmlns:p14="http://schemas.microsoft.com/office/powerpoint/2010/main" val="1167887775"/>
+      </p:ext>
+    </p:extLst>
+  </p:cSld>
+  <p:clrMapOvr>
+    <a:masterClrMapping/>
+  </p:clrMapOvr>
+  <p:transition spd="slow">
+    <p:push dir="u"/>
+  </p:transition>
+  <p:timing>
+    <p:tnLst>
+      <p:par>
+        <p:cTn id="1" dur="indefinite" restart="never" nodeType="tmRoot"/>
+      </p:par>
+    </p:tnLst>
+  </p:timing>
+</p:sld>
+</file>
+
+<file path=ppt/slides/slide6.xml><?xml version="1.0" encoding="utf-8"?>
+<p:sld xmlns:a="http://schemas.openxmlformats.org/drawingml/2006/main" xmlns:r="http://schemas.openxmlformats.org/officeDocument/2006/relationships" xmlns:p="http://schemas.openxmlformats.org/presentationml/2006/main">
+  <p:cSld>
+    <p:spTree>
+      <p:nvGrpSpPr>
+        <p:cNvPr id="1" name=""/>
+        <p:cNvGrpSpPr/>
+        <p:nvPr/>
+      </p:nvGrpSpPr>
+      <p:grpSpPr>
+        <a:xfrm>
+          <a:off x="0" y="0"/>
+          <a:ext cx="0" cy="0"/>
+          <a:chOff x="0" y="0"/>
+          <a:chExt cx="0" cy="0"/>
+        </a:xfrm>
+      </p:grpSpPr>
+      <p:sp>
+        <p:nvSpPr>
+          <p:cNvPr id="3" name="Retângulo 2"/>
+          <p:cNvSpPr/>
+          <p:nvPr/>
+        </p:nvSpPr>
+        <p:spPr>
+          <a:xfrm>
+            <a:off x="3808446" y="0"/>
+            <a:ext cx="4575107" cy="6858000"/>
+          </a:xfrm>
+          <a:prstGeom prst="rect">
+            <a:avLst/>
+          </a:prstGeom>
+          <a:solidFill>
+            <a:schemeClr val="bg1"/>
+          </a:solidFill>
+          <a:ln w="19050">
+            <a:solidFill>
+              <a:schemeClr val="tx1"/>
+            </a:solidFill>
+          </a:ln>
+        </p:spPr>
+        <p:style>
+          <a:lnRef idx="2">
+            <a:schemeClr val="accent1">
+              <a:shade val="50000"/>
+            </a:schemeClr>
+          </a:lnRef>
+          <a:fillRef idx="1">
+            <a:schemeClr val="accent1"/>
+          </a:fillRef>
+          <a:effectRef idx="0">
+            <a:schemeClr val="accent1"/>
+          </a:effectRef>
+          <a:fontRef idx="minor">
+            <a:schemeClr val="lt1"/>
+          </a:fontRef>
+        </p:style>
+        <p:txBody>
+          <a:bodyPr rtlCol="0" anchor="ctr"/>
+          <a:lstStyle/>
+          <a:p>
+            <a:pPr algn="ctr"/>
+            <a:endParaRPr lang="pt-BR"/>
+          </a:p>
+        </p:txBody>
+      </p:sp>
+      <p:sp>
+        <p:nvSpPr>
+          <p:cNvPr id="6" name="Retângulo 5"/>
+          <p:cNvSpPr/>
+          <p:nvPr/>
+        </p:nvSpPr>
+        <p:spPr>
+          <a:xfrm>
+            <a:off x="4115714" y="249508"/>
+            <a:ext cx="4124644" cy="1123384"/>
+          </a:xfrm>
+          <a:prstGeom prst="rect">
+            <a:avLst/>
+          </a:prstGeom>
+        </p:spPr>
+        <p:txBody>
+          <a:bodyPr wrap="square">
+            <a:spAutoFit/>
+          </a:bodyPr>
+          <a:lstStyle/>
+          <a:p>
+            <a:r>
+              <a:rPr lang="pt-BR" b="1" dirty="0" smtClean="0">
+                <a:latin typeface="Yu Gothic" panose="020B0400000000000000" pitchFamily="34" charset="-128"/>
+                <a:ea typeface="Yu Gothic" panose="020B0400000000000000" pitchFamily="34" charset="-128"/>
+              </a:rPr>
+              <a:t>Contatos</a:t>
+            </a:r>
+            <a:endParaRPr lang="pt-BR" b="1" dirty="0">
+              <a:latin typeface="Yu Gothic" panose="020B0400000000000000" pitchFamily="34" charset="-128"/>
+              <a:ea typeface="Yu Gothic" panose="020B0400000000000000" pitchFamily="34" charset="-128"/>
+            </a:endParaRPr>
+          </a:p>
+          <a:p>
+            <a:pPr marL="285750" indent="-285750">
+              <a:buFontTx/>
+              <a:buChar char="-"/>
+            </a:pPr>
+            <a:endParaRPr lang="pt-BR" sz="1300" dirty="0" smtClean="0">
+              <a:latin typeface="Yu Gothic" panose="020B0400000000000000" pitchFamily="34" charset="-128"/>
+              <a:ea typeface="Yu Gothic" panose="020B0400000000000000" pitchFamily="34" charset="-128"/>
+            </a:endParaRPr>
+          </a:p>
+          <a:p>
+            <a:r>
+              <a:rPr lang="pt-BR" sz="1200" dirty="0" smtClean="0">
+                <a:latin typeface="Yu Gothic" panose="020B0400000000000000" pitchFamily="34" charset="-128"/>
+                <a:ea typeface="Yu Gothic" panose="020B0400000000000000" pitchFamily="34" charset="-128"/>
+              </a:rPr>
+              <a:t>Fernando     +55 81 8564-5667 / @fernando.biasoli.3</a:t>
+            </a:r>
+          </a:p>
+          <a:p>
+            <a:endParaRPr lang="pt-BR" sz="1200" dirty="0" smtClean="0">
+              <a:latin typeface="Yu Gothic" panose="020B0400000000000000" pitchFamily="34" charset="-128"/>
+              <a:ea typeface="Yu Gothic" panose="020B0400000000000000" pitchFamily="34" charset="-128"/>
+            </a:endParaRPr>
+          </a:p>
+          <a:p>
+            <a:r>
+              <a:rPr lang="pt-BR" sz="1200" dirty="0" smtClean="0">
+                <a:latin typeface="Yu Gothic" panose="020B0400000000000000" pitchFamily="34" charset="-128"/>
+                <a:ea typeface="Yu Gothic" panose="020B0400000000000000" pitchFamily="34" charset="-128"/>
+              </a:rPr>
+              <a:t>Nury     </a:t>
+            </a:r>
+            <a:r>
+              <a:rPr lang="pt-BR" sz="1200" dirty="0">
+                <a:latin typeface="Yu Gothic" panose="020B0400000000000000" pitchFamily="34" charset="-128"/>
+                <a:ea typeface="Yu Gothic" panose="020B0400000000000000" pitchFamily="34" charset="-128"/>
+              </a:rPr>
+              <a:t>+55 81 </a:t>
+            </a:r>
+            <a:r>
+              <a:rPr lang="pt-BR" sz="1200" dirty="0" smtClean="0">
+                <a:latin typeface="Yu Gothic" panose="020B0400000000000000" pitchFamily="34" charset="-128"/>
+                <a:ea typeface="Yu Gothic" panose="020B0400000000000000" pitchFamily="34" charset="-128"/>
+              </a:rPr>
+              <a:t>9590-5821 / @nuryacevedobiasoli </a:t>
+            </a:r>
+          </a:p>
+        </p:txBody>
+      </p:sp>
+      <p:sp>
+        <p:nvSpPr>
+          <p:cNvPr id="7" name="Triângulo isósceles 6"/>
+          <p:cNvSpPr/>
+          <p:nvPr/>
+        </p:nvSpPr>
+        <p:spPr>
+          <a:xfrm rot="5400000">
+            <a:off x="4932359" y="803765"/>
+            <a:ext cx="144000" cy="108000"/>
+          </a:xfrm>
+          <a:prstGeom prst="triangle">
+            <a:avLst/>
+          </a:prstGeom>
+          <a:solidFill>
+            <a:schemeClr val="tx1"/>
+          </a:solidFill>
+          <a:ln>
+            <a:solidFill>
+              <a:schemeClr val="bg1"/>
+            </a:solidFill>
+          </a:ln>
+        </p:spPr>
+        <p:style>
+          <a:lnRef idx="2">
+            <a:schemeClr val="accent1">
+              <a:shade val="50000"/>
+            </a:schemeClr>
+          </a:lnRef>
+          <a:fillRef idx="1">
+            <a:schemeClr val="accent1"/>
+          </a:fillRef>
+          <a:effectRef idx="0">
+            <a:schemeClr val="accent1"/>
+          </a:effectRef>
+          <a:fontRef idx="minor">
+            <a:schemeClr val="lt1"/>
+          </a:fontRef>
+        </p:style>
+        <p:txBody>
+          <a:bodyPr rtlCol="0" anchor="ctr"/>
+          <a:lstStyle/>
+          <a:p>
+            <a:pPr algn="ctr"/>
+            <a:endParaRPr lang="pt-BR"/>
+          </a:p>
+        </p:txBody>
+      </p:sp>
+      <p:sp>
+        <p:nvSpPr>
+          <p:cNvPr id="9" name="Triângulo isósceles 8"/>
+          <p:cNvSpPr/>
+          <p:nvPr/>
+        </p:nvSpPr>
+        <p:spPr>
+          <a:xfrm rot="5400000">
+            <a:off x="4593247" y="1165940"/>
+            <a:ext cx="144000" cy="108000"/>
+          </a:xfrm>
+          <a:prstGeom prst="triangle">
+            <a:avLst/>
+          </a:prstGeom>
+          <a:solidFill>
+            <a:schemeClr val="tx1"/>
+          </a:solidFill>
+          <a:ln>
+            <a:solidFill>
+              <a:schemeClr val="bg1"/>
+            </a:solidFill>
+          </a:ln>
+        </p:spPr>
+        <p:style>
+          <a:lnRef idx="2">
+            <a:schemeClr val="accent1">
+              <a:shade val="50000"/>
+            </a:schemeClr>
+          </a:lnRef>
+          <a:fillRef idx="1">
+            <a:schemeClr val="accent1"/>
+          </a:fillRef>
+          <a:effectRef idx="0">
+            <a:schemeClr val="accent1"/>
+          </a:effectRef>
+          <a:fontRef idx="minor">
+            <a:schemeClr val="lt1"/>
+          </a:fontRef>
+        </p:style>
+        <p:txBody>
+          <a:bodyPr rtlCol="0" anchor="ctr"/>
+          <a:lstStyle/>
+          <a:p>
+            <a:pPr algn="ctr"/>
+            <a:endParaRPr lang="pt-BR"/>
+          </a:p>
+        </p:txBody>
+      </p:sp>
+      <p:pic>
+        <p:nvPicPr>
+          <p:cNvPr id="3076" name="Picture 4" descr="Phone Logo Vectors Free Download"/>
+          <p:cNvPicPr>
+            <a:picLocks noChangeAspect="1" noChangeArrowheads="1"/>
+          </p:cNvPicPr>
+          <p:nvPr/>
+        </p:nvPicPr>
+        <p:blipFill>
+          <a:blip r:embed="rId2" cstate="print">
+            <a:extLst>
+              <a:ext uri="{BEBA8EAE-BF5A-486C-A8C5-ECC9F3942E4B}">
+                <a14:imgProps xmlns:a14="http://schemas.microsoft.com/office/drawing/2010/main">
+                  <a14:imgLayer r:embed="rId3">
+                    <a14:imgEffect>
+                      <a14:artisticGlowEdges/>
+                    </a14:imgEffect>
+                  </a14:imgLayer>
+                </a14:imgProps>
+              </a:ext>
+              <a:ext uri="{28A0092B-C50C-407E-A947-70E740481C1C}">
+                <a14:useLocalDpi xmlns:a14="http://schemas.microsoft.com/office/drawing/2010/main" val="0"/>
+              </a:ext>
+            </a:extLst>
+          </a:blip>
+          <a:srcRect/>
+          <a:stretch>
+            <a:fillRect/>
+          </a:stretch>
+        </p:blipFill>
+        <p:spPr bwMode="auto">
+          <a:xfrm>
+            <a:off x="5346594" y="249508"/>
+            <a:ext cx="307083" cy="307083"/>
+          </a:xfrm>
+          <a:prstGeom prst="rect">
+            <a:avLst/>
+          </a:prstGeom>
+          <a:noFill/>
+          <a:extLst>
+            <a:ext uri="{909E8E84-426E-40DD-AFC4-6F175D3DCCD1}">
+              <a14:hiddenFill xmlns:a14="http://schemas.microsoft.com/office/drawing/2010/main">
+                <a:solidFill>
+                  <a:srgbClr val="FFFFFF"/>
+                </a:solidFill>
+              </a14:hiddenFill>
+            </a:ext>
+          </a:extLst>
+        </p:spPr>
+      </p:pic>
+    </p:spTree>
+    <p:extLst>
+      <p:ext uri="{BB962C8B-B14F-4D97-AF65-F5344CB8AC3E}">
+        <p14:creationId xmlns:p14="http://schemas.microsoft.com/office/powerpoint/2010/main" val="2534527543"/>
+      </p:ext>
+    </p:extLst>
+  </p:cSld>
+  <p:clrMapOvr>
+    <a:masterClrMapping/>
+  </p:clrMapOvr>
+  <p:transition spd="slow">
+    <p:push dir="u"/>
+  </p:transition>
   <p:timing>
     <p:tnLst>
       <p:par>
